--- a/spring12/slidesS12/arithmetic-geometric-sums.pptx
+++ b/spring12/slidesS12/arithmetic-geometric-sums.pptx
@@ -2933,6 +2933,13 @@
   <p:clrMapOvr>
     <a:masterClrMapping/>
   </p:clrMapOvr>
+  <p:timing>
+    <p:tnLst>
+      <p:par>
+        <p:cTn xmlns:p14="http://schemas.microsoft.com/office/powerpoint/2010/main" id="1" dur="indefinite" restart="never" nodeType="tmRoot"/>
+      </p:par>
+    </p:tnLst>
+  </p:timing>
 </p:sldLayout>
 </file>
 
@@ -3061,6 +3068,13 @@
   <p:clrMapOvr>
     <a:masterClrMapping/>
   </p:clrMapOvr>
+  <p:timing>
+    <p:tnLst>
+      <p:par>
+        <p:cTn xmlns:p14="http://schemas.microsoft.com/office/powerpoint/2010/main" id="1" dur="indefinite" restart="never" nodeType="tmRoot"/>
+      </p:par>
+    </p:tnLst>
+  </p:timing>
 </p:sldLayout>
 </file>
 
@@ -3211,6 +3225,13 @@
   <p:clrMapOvr>
     <a:masterClrMapping/>
   </p:clrMapOvr>
+  <p:timing>
+    <p:tnLst>
+      <p:par>
+        <p:cTn xmlns:p14="http://schemas.microsoft.com/office/powerpoint/2010/main" id="1" dur="indefinite" restart="never" nodeType="tmRoot"/>
+      </p:par>
+    </p:tnLst>
+  </p:timing>
 </p:sldLayout>
 </file>
 
@@ -3291,6 +3312,13 @@
   <p:clrMapOvr>
     <a:masterClrMapping/>
   </p:clrMapOvr>
+  <p:timing>
+    <p:tnLst>
+      <p:par>
+        <p:cTn xmlns:p14="http://schemas.microsoft.com/office/powerpoint/2010/main" id="1" dur="indefinite" restart="never" nodeType="tmRoot"/>
+      </p:par>
+    </p:tnLst>
+  </p:timing>
 </p:sldLayout>
 </file>
 
@@ -3344,6 +3372,13 @@
   <p:clrMapOvr>
     <a:masterClrMapping/>
   </p:clrMapOvr>
+  <p:timing>
+    <p:tnLst>
+      <p:par>
+        <p:cTn xmlns:p14="http://schemas.microsoft.com/office/powerpoint/2010/main" id="1" dur="indefinite" restart="never" nodeType="tmRoot"/>
+      </p:par>
+    </p:tnLst>
+  </p:timing>
 </p:sldLayout>
 </file>
 
@@ -3842,8 +3877,8 @@
         </p:nvSpPr>
         <p:spPr bwMode="auto">
           <a:xfrm>
-            <a:off x="8153400" y="6553200"/>
-            <a:ext cx="990600" cy="274638"/>
+            <a:off x="7467600" y="6553200"/>
+            <a:ext cx="1676400" cy="276999"/>
           </a:xfrm>
           <a:prstGeom prst="rect">
             <a:avLst/>
@@ -3885,17 +3920,17 @@
           </a:extLst>
         </p:spPr>
         <p:txBody>
-          <a:bodyPr>
+          <a:bodyPr wrap="square">
             <a:spAutoFit/>
           </a:bodyPr>
           <a:lstStyle/>
           <a:p>
             <a:pPr algn="r" eaLnBrk="1" hangingPunct="1"/>
             <a:r>
-              <a:rPr lang="en-US" sz="1200">
+              <a:rPr lang="en-US" sz="1200" dirty="0" smtClean="0">
                 <a:latin typeface="Comic Sans MS" charset="0"/>
               </a:rPr>
-              <a:t>lec 8F.</a:t>
+              <a:t>geometric-sum.</a:t>
             </a:r>
             <a:fld id="{BAD60C4D-E46A-6F4A-9374-7055D7F3B38F}" type="slidenum">
               <a:rPr lang="en-US" sz="1200">
@@ -3904,7 +3939,7 @@
               <a:pPr algn="r" eaLnBrk="1" hangingPunct="1"/>
               <a:t>‹#›</a:t>
             </a:fld>
-            <a:endParaRPr lang="en-US" sz="1200">
+            <a:endParaRPr lang="en-US" sz="1200" dirty="0">
               <a:latin typeface="Comic Sans MS" charset="0"/>
             </a:endParaRPr>
           </a:p>
@@ -4002,7 +4037,22 @@
                 <a:uFillTx/>
                 <a:latin typeface="Comic Sans MS" pitchFamily="66" charset="0"/>
               </a:rPr>
-              <a:t>Albert R Meyer,             April 6, 2012</a:t>
+              <a:t>Albert R Meyer,             April </a:t>
+            </a:r>
+            <a:r>
+              <a:rPr kumimoji="0" lang="en-US" sz="1200" b="0" i="0" u="none" strike="noStrike" kern="1200" cap="none" spc="0" normalizeH="0" baseline="0" noProof="0" dirty="0" smtClean="0">
+                <a:ln>
+                  <a:noFill/>
+                </a:ln>
+                <a:solidFill>
+                  <a:srgbClr val="000000"/>
+                </a:solidFill>
+                <a:effectLst/>
+                <a:uLnTx/>
+                <a:uFillTx/>
+                <a:latin typeface="Comic Sans MS" pitchFamily="66" charset="0"/>
+              </a:rPr>
+              <a:t>10, 2013</a:t>
             </a:r>
             <a:endParaRPr kumimoji="0" lang="en-US" sz="1200" b="0" i="0" u="none" strike="noStrike" kern="1200" cap="none" spc="0" normalizeH="0" baseline="0" noProof="0" dirty="0">
               <a:ln>
@@ -4619,6 +4669,14 @@
   <p:clrMapOvr>
     <a:masterClrMapping/>
   </p:clrMapOvr>
+  <mc:AlternateContent xmlns:mc="http://schemas.openxmlformats.org/markup-compatibility/2006">
+    <mc:Choice xmlns:p14="http://schemas.microsoft.com/office/powerpoint/2010/main" Requires="p14">
+      <p:transition spd="slow" p14:dur="2000" advClick="0"/>
+    </mc:Choice>
+    <mc:Fallback>
+      <p:transition xmlns:p14="http://schemas.microsoft.com/office/powerpoint/2010/main" spd="slow" advClick="0"/>
+    </mc:Fallback>
+  </mc:AlternateContent>
   <p:timing>
     <p:tnLst>
       <p:par>
@@ -4791,7 +4849,7 @@
           <a:graphicData uri="http://schemas.openxmlformats.org/presentationml/2006/ole">
             <mc:AlternateContent xmlns:mc="http://schemas.openxmlformats.org/markup-compatibility/2006">
               <mc:Choice xmlns:v="urn:schemas-microsoft-com:vml" Requires="v">
-                <p:oleObj spid="_x0000_s119841" name="Equation" r:id="rId4" imgW="761760" imgH="495000" progId="Equation.DSMT4">
+                <p:oleObj spid="_x0000_s119845" name="Equation" r:id="rId4" imgW="761760" imgH="495000" progId="Equation.DSMT4">
                   <p:embed/>
                 </p:oleObj>
               </mc:Choice>
@@ -4930,14 +4988,14 @@
   <p:clrMapOvr>
     <a:masterClrMapping/>
   </p:clrMapOvr>
-  <mc:AlternateContent xmlns:mc="http://schemas.openxmlformats.org/markup-compatibility/2006" xmlns:p14="http://schemas.microsoft.com/office/powerpoint/2010/main">
-    <mc:Choice Requires="p14">
-      <p:transition spd="med" p14:dur="700">
+  <mc:AlternateContent xmlns:mc="http://schemas.openxmlformats.org/markup-compatibility/2006">
+    <mc:Choice xmlns:p14="http://schemas.microsoft.com/office/powerpoint/2010/main" Requires="p14">
+      <p:transition spd="med" p14:dur="700" advClick="0">
         <p:fade/>
       </p:transition>
     </mc:Choice>
-    <mc:Fallback xmlns="">
-      <p:transition xmlns:p14="http://schemas.microsoft.com/office/powerpoint/2010/main" spd="med">
+    <mc:Fallback>
+      <p:transition xmlns:p14="http://schemas.microsoft.com/office/powerpoint/2010/main" spd="med" advClick="0">
         <p:fade/>
       </p:transition>
     </mc:Fallback>
@@ -5110,7 +5168,7 @@
   <p:clrMapOvr>
     <a:masterClrMapping/>
   </p:clrMapOvr>
-  <p:transition xmlns:p14="http://schemas.microsoft.com/office/powerpoint/2010/main" spd="slow">
+  <p:transition xmlns:p14="http://schemas.microsoft.com/office/powerpoint/2010/main" spd="slow" advClick="0">
     <p:fade thruBlk="1"/>
   </p:transition>
   <p:timing>
@@ -5317,14 +5375,14 @@
   <p:clrMapOvr>
     <a:masterClrMapping/>
   </p:clrMapOvr>
-  <mc:AlternateContent xmlns:mc="http://schemas.openxmlformats.org/markup-compatibility/2006" xmlns:p14="http://schemas.microsoft.com/office/powerpoint/2010/main">
-    <mc:Choice Requires="p14">
-      <p:transition spd="med" p14:dur="700">
+  <mc:AlternateContent xmlns:mc="http://schemas.openxmlformats.org/markup-compatibility/2006">
+    <mc:Choice xmlns:p14="http://schemas.microsoft.com/office/powerpoint/2010/main" Requires="p14">
+      <p:transition spd="med" p14:dur="700" advClick="0">
         <p:fade/>
       </p:transition>
     </mc:Choice>
-    <mc:Fallback xmlns="">
-      <p:transition xmlns:p14="http://schemas.microsoft.com/office/powerpoint/2010/main" spd="med">
+    <mc:Fallback>
+      <p:transition xmlns:p14="http://schemas.microsoft.com/office/powerpoint/2010/main" spd="med" advClick="0">
         <p:fade/>
       </p:transition>
     </mc:Fallback>
@@ -5332,7 +5390,195 @@
   <p:timing>
     <p:tnLst>
       <p:par>
-        <p:cTn xmlns:p14="http://schemas.microsoft.com/office/powerpoint/2010/main" id="1" dur="indefinite" restart="never" nodeType="tmRoot"/>
+        <p:cTn xmlns:p14="http://schemas.microsoft.com/office/powerpoint/2010/main" id="1" dur="indefinite" restart="never" nodeType="tmRoot">
+          <p:childTnLst>
+            <p:seq concurrent="1" nextAc="seek">
+              <p:cTn id="2" dur="indefinite" nodeType="mainSeq">
+                <p:childTnLst>
+                  <p:par>
+                    <p:cTn id="3" fill="hold">
+                      <p:stCondLst>
+                        <p:cond delay="indefinite"/>
+                      </p:stCondLst>
+                      <p:childTnLst>
+                        <p:par>
+                          <p:cTn id="4" fill="hold">
+                            <p:stCondLst>
+                              <p:cond delay="0"/>
+                            </p:stCondLst>
+                            <p:childTnLst>
+                              <p:par>
+                                <p:cTn id="5" presetID="10" presetClass="entr" presetSubtype="0" fill="hold" nodeType="clickEffect">
+                                  <p:stCondLst>
+                                    <p:cond delay="0"/>
+                                  </p:stCondLst>
+                                  <p:childTnLst>
+                                    <p:set>
+                                      <p:cBhvr>
+                                        <p:cTn id="6" dur="1" fill="hold">
+                                          <p:stCondLst>
+                                            <p:cond delay="0"/>
+                                          </p:stCondLst>
+                                        </p:cTn>
+                                        <p:tgtEl>
+                                          <p:spTgt spid="24579">
+                                            <p:txEl>
+                                              <p:pRg st="1" end="1"/>
+                                            </p:txEl>
+                                          </p:spTgt>
+                                        </p:tgtEl>
+                                        <p:attrNameLst>
+                                          <p:attrName>style.visibility</p:attrName>
+                                        </p:attrNameLst>
+                                      </p:cBhvr>
+                                      <p:to>
+                                        <p:strVal val="visible"/>
+                                      </p:to>
+                                    </p:set>
+                                    <p:animEffect transition="in" filter="fade">
+                                      <p:cBhvr>
+                                        <p:cTn id="7" dur="500"/>
+                                        <p:tgtEl>
+                                          <p:spTgt spid="24579">
+                                            <p:txEl>
+                                              <p:pRg st="1" end="1"/>
+                                            </p:txEl>
+                                          </p:spTgt>
+                                        </p:tgtEl>
+                                      </p:cBhvr>
+                                    </p:animEffect>
+                                  </p:childTnLst>
+                                </p:cTn>
+                              </p:par>
+                              <p:par>
+                                <p:cTn id="8" presetID="10" presetClass="entr" presetSubtype="0" fill="hold" nodeType="withEffect">
+                                  <p:stCondLst>
+                                    <p:cond delay="0"/>
+                                  </p:stCondLst>
+                                  <p:childTnLst>
+                                    <p:set>
+                                      <p:cBhvr>
+                                        <p:cTn id="9" dur="1" fill="hold">
+                                          <p:stCondLst>
+                                            <p:cond delay="0"/>
+                                          </p:stCondLst>
+                                        </p:cTn>
+                                        <p:tgtEl>
+                                          <p:spTgt spid="24579">
+                                            <p:txEl>
+                                              <p:pRg st="2" end="2"/>
+                                            </p:txEl>
+                                          </p:spTgt>
+                                        </p:tgtEl>
+                                        <p:attrNameLst>
+                                          <p:attrName>style.visibility</p:attrName>
+                                        </p:attrNameLst>
+                                      </p:cBhvr>
+                                      <p:to>
+                                        <p:strVal val="visible"/>
+                                      </p:to>
+                                    </p:set>
+                                    <p:animEffect transition="in" filter="fade">
+                                      <p:cBhvr>
+                                        <p:cTn id="10" dur="500"/>
+                                        <p:tgtEl>
+                                          <p:spTgt spid="24579">
+                                            <p:txEl>
+                                              <p:pRg st="2" end="2"/>
+                                            </p:txEl>
+                                          </p:spTgt>
+                                        </p:tgtEl>
+                                      </p:cBhvr>
+                                    </p:animEffect>
+                                  </p:childTnLst>
+                                </p:cTn>
+                              </p:par>
+                            </p:childTnLst>
+                          </p:cTn>
+                        </p:par>
+                      </p:childTnLst>
+                    </p:cTn>
+                  </p:par>
+                  <p:par>
+                    <p:cTn id="11" fill="hold">
+                      <p:stCondLst>
+                        <p:cond delay="indefinite"/>
+                      </p:stCondLst>
+                      <p:childTnLst>
+                        <p:par>
+                          <p:cTn id="12" fill="hold">
+                            <p:stCondLst>
+                              <p:cond delay="0"/>
+                            </p:stCondLst>
+                            <p:childTnLst>
+                              <p:par>
+                                <p:cTn id="13" presetID="10" presetClass="entr" presetSubtype="0" fill="hold" nodeType="clickEffect">
+                                  <p:stCondLst>
+                                    <p:cond delay="0"/>
+                                  </p:stCondLst>
+                                  <p:childTnLst>
+                                    <p:set>
+                                      <p:cBhvr>
+                                        <p:cTn id="14" dur="1" fill="hold">
+                                          <p:stCondLst>
+                                            <p:cond delay="0"/>
+                                          </p:stCondLst>
+                                        </p:cTn>
+                                        <p:tgtEl>
+                                          <p:spTgt spid="24579">
+                                            <p:txEl>
+                                              <p:pRg st="3" end="3"/>
+                                            </p:txEl>
+                                          </p:spTgt>
+                                        </p:tgtEl>
+                                        <p:attrNameLst>
+                                          <p:attrName>style.visibility</p:attrName>
+                                        </p:attrNameLst>
+                                      </p:cBhvr>
+                                      <p:to>
+                                        <p:strVal val="visible"/>
+                                      </p:to>
+                                    </p:set>
+                                    <p:animEffect transition="in" filter="fade">
+                                      <p:cBhvr>
+                                        <p:cTn id="15" dur="500"/>
+                                        <p:tgtEl>
+                                          <p:spTgt spid="24579">
+                                            <p:txEl>
+                                              <p:pRg st="3" end="3"/>
+                                            </p:txEl>
+                                          </p:spTgt>
+                                        </p:tgtEl>
+                                      </p:cBhvr>
+                                    </p:animEffect>
+                                  </p:childTnLst>
+                                </p:cTn>
+                              </p:par>
+                            </p:childTnLst>
+                          </p:cTn>
+                        </p:par>
+                      </p:childTnLst>
+                    </p:cTn>
+                  </p:par>
+                </p:childTnLst>
+              </p:cTn>
+              <p:prevCondLst>
+                <p:cond evt="onPrev" delay="0">
+                  <p:tgtEl>
+                    <p:sldTgt/>
+                  </p:tgtEl>
+                </p:cond>
+              </p:prevCondLst>
+              <p:nextCondLst>
+                <p:cond evt="onNext" delay="0">
+                  <p:tgtEl>
+                    <p:sldTgt/>
+                  </p:tgtEl>
+                </p:cond>
+              </p:nextCondLst>
+            </p:seq>
+          </p:childTnLst>
+        </p:cTn>
       </p:par>
     </p:tnLst>
   </p:timing>
@@ -5575,14 +5821,6 @@
               <a:t> </a:t>
             </a:r>
             <a:r>
-              <a:rPr lang="en-US" sz="4800" dirty="0" smtClean="0">
-                <a:solidFill>
-                  <a:srgbClr val="3333FF"/>
-                </a:solidFill>
-              </a:rPr>
-              <a:t> </a:t>
-            </a:r>
-            <a:r>
               <a:rPr lang="en-US" sz="4800" b="1" dirty="0" smtClean="0">
                 <a:solidFill>
                   <a:srgbClr val="3333FF"/>
@@ -5590,7 +5828,7 @@
                 <a:latin typeface="Euclid Symbol" charset="2"/>
                 <a:cs typeface="Euclid Symbol" charset="2"/>
               </a:rPr>
-              <a:t>≤ </a:t>
+              <a:t>≥ </a:t>
             </a:r>
             <a:r>
               <a:rPr lang="en-US" sz="4800" dirty="0" smtClean="0">
@@ -5638,7 +5876,7 @@
                 <a:latin typeface="Euclid Symbol" charset="2"/>
                 <a:cs typeface="Euclid Symbol" charset="2"/>
               </a:rPr>
-              <a:t>≤</a:t>
+              <a:t>≥</a:t>
             </a:r>
             <a:r>
               <a:rPr lang="en-US" sz="4800" dirty="0" smtClean="0">
@@ -5735,14 +5973,14 @@
   <p:clrMapOvr>
     <a:masterClrMapping/>
   </p:clrMapOvr>
-  <mc:AlternateContent xmlns:mc="http://schemas.openxmlformats.org/markup-compatibility/2006" xmlns:p14="http://schemas.microsoft.com/office/powerpoint/2010/main">
-    <mc:Choice Requires="p14">
-      <p:transition spd="med" p14:dur="700">
+  <mc:AlternateContent xmlns:mc="http://schemas.openxmlformats.org/markup-compatibility/2006">
+    <mc:Choice xmlns:p14="http://schemas.microsoft.com/office/powerpoint/2010/main" Requires="p14">
+      <p:transition spd="med" p14:dur="700" advClick="0">
         <p:fade/>
       </p:transition>
     </mc:Choice>
-    <mc:Fallback xmlns="">
-      <p:transition xmlns:p14="http://schemas.microsoft.com/office/powerpoint/2010/main" spd="med">
+    <mc:Fallback>
+      <p:transition xmlns:p14="http://schemas.microsoft.com/office/powerpoint/2010/main" spd="med" advClick="0">
         <p:fade/>
       </p:transition>
     </mc:Fallback>
@@ -5768,7 +6006,7 @@
                             </p:stCondLst>
                             <p:childTnLst>
                               <p:par>
-                                <p:cTn id="5" presetID="1" presetClass="entr" presetSubtype="0" fill="hold" nodeType="clickEffect">
+                                <p:cTn id="5" presetID="10" presetClass="entr" presetSubtype="0" fill="hold" nodeType="clickEffect">
                                   <p:stCondLst>
                                     <p:cond delay="0"/>
                                   </p:stCondLst>
@@ -5795,6 +6033,18 @@
                                         <p:strVal val="visible"/>
                                       </p:to>
                                     </p:set>
+                                    <p:animEffect transition="in" filter="fade">
+                                      <p:cBhvr>
+                                        <p:cTn id="7" dur="500"/>
+                                        <p:tgtEl>
+                                          <p:spTgt spid="100355">
+                                            <p:txEl>
+                                              <p:pRg st="2" end="2"/>
+                                            </p:txEl>
+                                          </p:spTgt>
+                                        </p:tgtEl>
+                                      </p:cBhvr>
+                                    </p:animEffect>
                                   </p:childTnLst>
                                 </p:cTn>
                               </p:par>
@@ -5802,20 +6052,20 @@
                           </p:cTn>
                         </p:par>
                         <p:par>
-                          <p:cTn id="7" fill="hold" nodeType="afterGroup">
+                          <p:cTn id="8" fill="hold" nodeType="afterGroup">
                             <p:stCondLst>
-                              <p:cond delay="0"/>
+                              <p:cond delay="500"/>
                             </p:stCondLst>
                             <p:childTnLst>
                               <p:par>
-                                <p:cTn id="8" presetID="1" presetClass="entr" presetSubtype="0" fill="hold" nodeType="afterEffect">
+                                <p:cTn id="9" presetID="22" presetClass="entr" presetSubtype="8" fill="hold" nodeType="afterEffect">
                                   <p:stCondLst>
                                     <p:cond delay="0"/>
                                   </p:stCondLst>
                                   <p:childTnLst>
                                     <p:set>
                                       <p:cBhvr>
-                                        <p:cTn id="9" dur="1" fill="hold">
+                                        <p:cTn id="10" dur="1" fill="hold">
                                           <p:stCondLst>
                                             <p:cond delay="0"/>
                                           </p:stCondLst>
@@ -5835,18 +6085,48 @@
                                         <p:strVal val="visible"/>
                                       </p:to>
                                     </p:set>
+                                    <p:animEffect transition="in" filter="wipe(left)">
+                                      <p:cBhvr>
+                                        <p:cTn id="11" dur="1000"/>
+                                        <p:tgtEl>
+                                          <p:spTgt spid="100355">
+                                            <p:txEl>
+                                              <p:pRg st="3" end="3"/>
+                                            </p:txEl>
+                                          </p:spTgt>
+                                        </p:tgtEl>
+                                      </p:cBhvr>
+                                    </p:animEffect>
                                   </p:childTnLst>
                                 </p:cTn>
                               </p:par>
+                            </p:childTnLst>
+                          </p:cTn>
+                        </p:par>
+                      </p:childTnLst>
+                    </p:cTn>
+                  </p:par>
+                  <p:par>
+                    <p:cTn id="12" fill="hold">
+                      <p:stCondLst>
+                        <p:cond delay="indefinite"/>
+                      </p:stCondLst>
+                      <p:childTnLst>
+                        <p:par>
+                          <p:cTn id="13" fill="hold">
+                            <p:stCondLst>
+                              <p:cond delay="0"/>
+                            </p:stCondLst>
+                            <p:childTnLst>
                               <p:par>
-                                <p:cTn id="10" presetID="1" presetClass="entr" presetSubtype="0" fill="hold" nodeType="withEffect">
+                                <p:cTn id="14" presetID="22" presetClass="entr" presetSubtype="8" fill="hold" nodeType="clickEffect">
                                   <p:stCondLst>
                                     <p:cond delay="0"/>
                                   </p:stCondLst>
                                   <p:childTnLst>
                                     <p:set>
                                       <p:cBhvr>
-                                        <p:cTn id="11" dur="1" fill="hold">
+                                        <p:cTn id="15" dur="1" fill="hold">
                                           <p:stCondLst>
                                             <p:cond delay="0"/>
                                           </p:stCondLst>
@@ -5866,6 +6146,18 @@
                                         <p:strVal val="visible"/>
                                       </p:to>
                                     </p:set>
+                                    <p:animEffect transition="in" filter="wipe(left)">
+                                      <p:cBhvr>
+                                        <p:cTn id="16" dur="1000"/>
+                                        <p:tgtEl>
+                                          <p:spTgt spid="100355">
+                                            <p:txEl>
+                                              <p:pRg st="4" end="4"/>
+                                            </p:txEl>
+                                          </p:spTgt>
+                                        </p:tgtEl>
+                                      </p:cBhvr>
+                                    </p:animEffect>
                                   </p:childTnLst>
                                 </p:cTn>
                               </p:par>
@@ -5938,7 +6230,7 @@
           <a:lstStyle/>
           <a:p>
             <a:r>
-              <a:rPr lang="en-US" sz="4000">
+              <a:rPr lang="en-US" sz="4000" dirty="0">
                 <a:solidFill>
                   <a:srgbClr val="3333FF"/>
                 </a:solidFill>
@@ -5947,13 +6239,13 @@
               <a:t>$1</a:t>
             </a:r>
             <a:r>
-              <a:rPr lang="en-US" sz="4000">
+              <a:rPr lang="en-US" sz="4000" dirty="0">
                 <a:cs typeface="Times New Roman" charset="0"/>
               </a:rPr>
               <a:t> in 1 year</a:t>
             </a:r>
             <a:r>
-              <a:rPr lang="en-US" sz="4000">
+              <a:rPr lang="en-US" sz="4000" dirty="0">
                 <a:solidFill>
                   <a:srgbClr val="008000"/>
                 </a:solidFill>
@@ -5962,13 +6254,13 @@
               <a:t> </a:t>
             </a:r>
             <a:r>
-              <a:rPr lang="en-US" sz="4000">
+              <a:rPr lang="en-US" sz="4000" dirty="0">
                 <a:cs typeface="Times New Roman" charset="0"/>
               </a:rPr>
               <a:t>is worth </a:t>
             </a:r>
             <a:r>
-              <a:rPr lang="en-US" sz="4000">
+              <a:rPr lang="en-US" sz="4000" dirty="0">
                 <a:solidFill>
                   <a:srgbClr val="3333FF"/>
                 </a:solidFill>
@@ -5977,7 +6269,7 @@
               <a:t>$</a:t>
             </a:r>
             <a:r>
-              <a:rPr lang="en-US" sz="4000">
+              <a:rPr lang="en-US" sz="4000" dirty="0">
                 <a:solidFill>
                   <a:srgbClr val="FF00FF"/>
                 </a:solidFill>
@@ -5985,7 +6277,7 @@
               <a:t>0.9709</a:t>
             </a:r>
             <a:r>
-              <a:rPr lang="en-US" sz="4000">
+              <a:rPr lang="en-US" sz="4000" dirty="0">
                 <a:solidFill>
                   <a:srgbClr val="FF00FF"/>
                 </a:solidFill>
@@ -5994,7 +6286,7 @@
               <a:t> </a:t>
             </a:r>
             <a:r>
-              <a:rPr lang="en-US" sz="4000">
+              <a:rPr lang="en-US" sz="4000" dirty="0">
                 <a:cs typeface="Times New Roman" charset="0"/>
               </a:rPr>
               <a:t>now.</a:t>
@@ -6002,7 +6294,7 @@
           </a:p>
           <a:p>
             <a:r>
-              <a:rPr lang="en-US" sz="4000">
+              <a:rPr lang="en-US" sz="4000" dirty="0">
                 <a:solidFill>
                   <a:srgbClr val="3333FF"/>
                 </a:solidFill>
@@ -6011,13 +6303,13 @@
               <a:t>$r</a:t>
             </a:r>
             <a:r>
-              <a:rPr lang="en-US" sz="4000">
+              <a:rPr lang="en-US" sz="4000" dirty="0">
                 <a:cs typeface="Times New Roman" charset="0"/>
               </a:rPr>
               <a:t> </a:t>
             </a:r>
             <a:r>
-              <a:rPr lang="en-US" sz="4000">
+              <a:rPr lang="en-US" sz="4000" dirty="0">
                 <a:solidFill>
                   <a:srgbClr val="FF6600"/>
                 </a:solidFill>
@@ -6026,13 +6318,13 @@
               <a:t>last year</a:t>
             </a:r>
             <a:r>
-              <a:rPr lang="en-US" sz="4000">
+              <a:rPr lang="en-US" sz="4000" dirty="0">
                 <a:cs typeface="Times New Roman" charset="0"/>
               </a:rPr>
               <a:t> is worth </a:t>
             </a:r>
             <a:r>
-              <a:rPr lang="en-US" sz="4000">
+              <a:rPr lang="en-US" sz="4000" dirty="0">
                 <a:solidFill>
                   <a:srgbClr val="3333FF"/>
                 </a:solidFill>
@@ -6041,7 +6333,7 @@
               <a:t>$</a:t>
             </a:r>
             <a:r>
-              <a:rPr lang="en-US" sz="4000">
+              <a:rPr lang="en-US" sz="4000" dirty="0">
                 <a:solidFill>
                   <a:srgbClr val="FF00FF"/>
                 </a:solidFill>
@@ -6050,7 +6342,7 @@
               <a:t>1</a:t>
             </a:r>
             <a:r>
-              <a:rPr lang="en-US" sz="4000">
+              <a:rPr lang="en-US" sz="4000" dirty="0">
                 <a:cs typeface="Times New Roman" charset="0"/>
               </a:rPr>
               <a:t> today,</a:t>
@@ -6062,13 +6354,13 @@
               <a:buNone/>
             </a:pPr>
             <a:r>
-              <a:rPr lang="en-US" sz="4000">
+              <a:rPr lang="en-US" sz="4000" dirty="0">
                 <a:cs typeface="Times New Roman" charset="0"/>
               </a:rPr>
               <a:t>where </a:t>
             </a:r>
             <a:r>
-              <a:rPr lang="en-US" sz="4000">
+              <a:rPr lang="en-US" sz="4000" dirty="0">
                 <a:solidFill>
                   <a:srgbClr val="3333FF"/>
                 </a:solidFill>
@@ -6077,13 +6369,13 @@
               <a:t>r</a:t>
             </a:r>
             <a:r>
-              <a:rPr lang="en-US" sz="4000">
+              <a:rPr lang="en-US" sz="4000" dirty="0">
                 <a:cs typeface="Times New Roman" charset="0"/>
               </a:rPr>
               <a:t> ::= </a:t>
             </a:r>
             <a:r>
-              <a:rPr lang="en-US" sz="4000">
+              <a:rPr lang="en-US" sz="4000" dirty="0">
                 <a:solidFill>
                   <a:srgbClr val="3333FF"/>
                 </a:solidFill>
@@ -6092,7 +6384,7 @@
               <a:t>1/b</a:t>
             </a:r>
             <a:r>
-              <a:rPr lang="en-US" sz="4000">
+              <a:rPr lang="en-US" sz="4000" dirty="0">
                 <a:cs typeface="Times New Roman" charset="0"/>
               </a:rPr>
               <a:t>.</a:t>
@@ -6100,11 +6392,11 @@
           </a:p>
           <a:p>
             <a:r>
-              <a:rPr lang="en-US" sz="4000"/>
+              <a:rPr lang="en-US" sz="4000" dirty="0"/>
               <a:t>So </a:t>
             </a:r>
             <a:r>
-              <a:rPr lang="en-US" sz="4000">
+              <a:rPr lang="en-US" sz="4000" dirty="0">
                 <a:solidFill>
                   <a:srgbClr val="3333FF"/>
                 </a:solidFill>
@@ -6112,11 +6404,11 @@
               <a:t>$n</a:t>
             </a:r>
             <a:r>
-              <a:rPr lang="en-US" sz="4000"/>
+              <a:rPr lang="en-US" sz="4000" dirty="0"/>
               <a:t>    paid in </a:t>
             </a:r>
             <a:r>
-              <a:rPr lang="en-US" sz="4000">
+              <a:rPr lang="en-US" sz="4000" dirty="0">
                 <a:solidFill>
                   <a:srgbClr val="3333FF"/>
                 </a:solidFill>
@@ -6124,7 +6416,7 @@
               <a:t>2</a:t>
             </a:r>
             <a:r>
-              <a:rPr lang="en-US" sz="4000"/>
+              <a:rPr lang="en-US" sz="4000" dirty="0"/>
               <a:t> years is worth</a:t>
             </a:r>
           </a:p>
@@ -6134,11 +6426,11 @@
               <a:buNone/>
             </a:pPr>
             <a:r>
-              <a:rPr lang="en-US" sz="4000"/>
+              <a:rPr lang="en-US" sz="4000" dirty="0"/>
               <a:t>       </a:t>
             </a:r>
             <a:r>
-              <a:rPr lang="en-US" sz="4000">
+              <a:rPr lang="en-US" sz="4000" dirty="0">
                 <a:solidFill>
                   <a:srgbClr val="3333FF"/>
                 </a:solidFill>
@@ -6146,11 +6438,11 @@
               <a:t>$nr</a:t>
             </a:r>
             <a:r>
-              <a:rPr lang="en-US" sz="4000"/>
+              <a:rPr lang="en-US" sz="4000" dirty="0"/>
               <a:t>   paid in</a:t>
             </a:r>
             <a:r>
-              <a:rPr lang="en-US" sz="4000">
+              <a:rPr lang="en-US" sz="4000" dirty="0">
                 <a:solidFill>
                   <a:srgbClr val="3366FF"/>
                 </a:solidFill>
@@ -6158,7 +6450,7 @@
               <a:t> </a:t>
             </a:r>
             <a:r>
-              <a:rPr lang="en-US" sz="4000">
+              <a:rPr lang="en-US" sz="4000" dirty="0">
                 <a:solidFill>
                   <a:srgbClr val="3333FF"/>
                 </a:solidFill>
@@ -6166,7 +6458,7 @@
               <a:t>1</a:t>
             </a:r>
             <a:r>
-              <a:rPr lang="en-US" sz="4000"/>
+              <a:rPr lang="en-US" sz="4000" dirty="0"/>
               <a:t> year, and is worth</a:t>
             </a:r>
           </a:p>
@@ -6176,13 +6468,13 @@
               <a:buNone/>
             </a:pPr>
             <a:r>
-              <a:rPr lang="en-US" sz="4000">
+              <a:rPr lang="en-US" sz="4000" dirty="0">
                 <a:cs typeface="Times New Roman" charset="0"/>
               </a:rPr>
               <a:t>       </a:t>
             </a:r>
             <a:r>
-              <a:rPr lang="en-US" sz="4000">
+              <a:rPr lang="en-US" sz="4000" dirty="0">
                 <a:solidFill>
                   <a:srgbClr val="3333FF"/>
                 </a:solidFill>
@@ -6191,7 +6483,7 @@
               <a:t>$</a:t>
             </a:r>
             <a:r>
-              <a:rPr lang="en-US" sz="4000">
+              <a:rPr lang="en-US" sz="4000" dirty="0">
                 <a:solidFill>
                   <a:srgbClr val="FF00FF"/>
                 </a:solidFill>
@@ -6200,7 +6492,7 @@
               <a:t>nr</a:t>
             </a:r>
             <a:r>
-              <a:rPr lang="en-US" sz="4000" baseline="30000">
+              <a:rPr lang="en-US" sz="4000" baseline="30000" dirty="0">
                 <a:solidFill>
                   <a:srgbClr val="FF00FF"/>
                 </a:solidFill>
@@ -6209,7 +6501,7 @@
               <a:t>2</a:t>
             </a:r>
             <a:r>
-              <a:rPr lang="en-US" sz="4000">
+              <a:rPr lang="en-US" sz="4000" dirty="0">
                 <a:solidFill>
                   <a:srgbClr val="000099"/>
                 </a:solidFill>
@@ -6218,13 +6510,13 @@
               <a:t> </a:t>
             </a:r>
             <a:r>
-              <a:rPr lang="en-US" sz="4000">
+              <a:rPr lang="en-US" sz="4000" dirty="0">
                 <a:cs typeface="Times New Roman" charset="0"/>
               </a:rPr>
               <a:t>today</a:t>
             </a:r>
             <a:r>
-              <a:rPr lang="en-US" sz="4000">
+              <a:rPr lang="en-US" sz="4000" dirty="0">
                 <a:solidFill>
                   <a:srgbClr val="000099"/>
                 </a:solidFill>
@@ -6289,14 +6581,14 @@
   <p:clrMapOvr>
     <a:masterClrMapping/>
   </p:clrMapOvr>
-  <mc:AlternateContent xmlns:mc="http://schemas.openxmlformats.org/markup-compatibility/2006" xmlns:p14="http://schemas.microsoft.com/office/powerpoint/2010/main">
-    <mc:Choice Requires="p14">
-      <p:transition spd="med" p14:dur="700">
+  <mc:AlternateContent xmlns:mc="http://schemas.openxmlformats.org/markup-compatibility/2006">
+    <mc:Choice xmlns:p14="http://schemas.microsoft.com/office/powerpoint/2010/main" Requires="p14">
+      <p:transition spd="med" p14:dur="700" advClick="0">
         <p:fade/>
       </p:transition>
     </mc:Choice>
-    <mc:Fallback xmlns="">
-      <p:transition xmlns:p14="http://schemas.microsoft.com/office/powerpoint/2010/main" spd="med">
+    <mc:Fallback>
+      <p:transition xmlns:p14="http://schemas.microsoft.com/office/powerpoint/2010/main" spd="med" advClick="0">
         <p:fade/>
       </p:transition>
     </mc:Fallback>
@@ -6322,7 +6614,7 @@
                             </p:stCondLst>
                             <p:childTnLst>
                               <p:par>
-                                <p:cTn id="5" presetID="1" presetClass="entr" presetSubtype="0" fill="hold" nodeType="clickEffect">
+                                <p:cTn id="5" presetID="10" presetClass="entr" presetSubtype="0" fill="hold" nodeType="clickEffect">
                                   <p:stCondLst>
                                     <p:cond delay="0"/>
                                   </p:stCondLst>
@@ -6349,18 +6641,30 @@
                                         <p:strVal val="visible"/>
                                       </p:to>
                                     </p:set>
+                                    <p:animEffect transition="in" filter="fade">
+                                      <p:cBhvr>
+                                        <p:cTn id="7" dur="500"/>
+                                        <p:tgtEl>
+                                          <p:spTgt spid="20483">
+                                            <p:txEl>
+                                              <p:pRg st="1" end="1"/>
+                                            </p:txEl>
+                                          </p:spTgt>
+                                        </p:tgtEl>
+                                      </p:cBhvr>
+                                    </p:animEffect>
                                   </p:childTnLst>
                                 </p:cTn>
                               </p:par>
                               <p:par>
-                                <p:cTn id="7" presetID="1" presetClass="entr" presetSubtype="0" fill="hold" nodeType="withEffect">
+                                <p:cTn id="8" presetID="10" presetClass="entr" presetSubtype="0" fill="hold" nodeType="withEffect">
                                   <p:stCondLst>
                                     <p:cond delay="0"/>
                                   </p:stCondLst>
                                   <p:childTnLst>
                                     <p:set>
                                       <p:cBhvr>
-                                        <p:cTn id="8" dur="1" fill="hold">
+                                        <p:cTn id="9" dur="1" fill="hold">
                                           <p:stCondLst>
                                             <p:cond delay="0"/>
                                           </p:stCondLst>
@@ -6380,6 +6684,18 @@
                                         <p:strVal val="visible"/>
                                       </p:to>
                                     </p:set>
+                                    <p:animEffect transition="in" filter="fade">
+                                      <p:cBhvr>
+                                        <p:cTn id="10" dur="500"/>
+                                        <p:tgtEl>
+                                          <p:spTgt spid="20483">
+                                            <p:txEl>
+                                              <p:pRg st="2" end="2"/>
+                                            </p:txEl>
+                                          </p:spTgt>
+                                        </p:tgtEl>
+                                      </p:cBhvr>
+                                    </p:animEffect>
                                   </p:childTnLst>
                                 </p:cTn>
                               </p:par>
@@ -6390,26 +6706,26 @@
                     </p:cTn>
                   </p:par>
                   <p:par>
-                    <p:cTn id="9" fill="hold" nodeType="clickPar">
+                    <p:cTn id="11" fill="hold" nodeType="clickPar">
                       <p:stCondLst>
                         <p:cond delay="indefinite"/>
                       </p:stCondLst>
                       <p:childTnLst>
                         <p:par>
-                          <p:cTn id="10" fill="hold" nodeType="withGroup">
+                          <p:cTn id="12" fill="hold" nodeType="withGroup">
                             <p:stCondLst>
                               <p:cond delay="0"/>
                             </p:stCondLst>
                             <p:childTnLst>
                               <p:par>
-                                <p:cTn id="11" presetID="1" presetClass="entr" presetSubtype="0" fill="hold" nodeType="clickEffect">
+                                <p:cTn id="13" presetID="10" presetClass="entr" presetSubtype="0" fill="hold" nodeType="clickEffect">
                                   <p:stCondLst>
                                     <p:cond delay="0"/>
                                   </p:stCondLst>
                                   <p:childTnLst>
                                     <p:set>
                                       <p:cBhvr>
-                                        <p:cTn id="12" dur="1" fill="hold">
+                                        <p:cTn id="14" dur="1" fill="hold">
                                           <p:stCondLst>
                                             <p:cond delay="0"/>
                                           </p:stCondLst>
@@ -6429,18 +6745,30 @@
                                         <p:strVal val="visible"/>
                                       </p:to>
                                     </p:set>
+                                    <p:animEffect transition="in" filter="fade">
+                                      <p:cBhvr>
+                                        <p:cTn id="15" dur="500"/>
+                                        <p:tgtEl>
+                                          <p:spTgt spid="20483">
+                                            <p:txEl>
+                                              <p:pRg st="3" end="3"/>
+                                            </p:txEl>
+                                          </p:spTgt>
+                                        </p:tgtEl>
+                                      </p:cBhvr>
+                                    </p:animEffect>
                                   </p:childTnLst>
                                 </p:cTn>
                               </p:par>
                               <p:par>
-                                <p:cTn id="13" presetID="1" presetClass="entr" presetSubtype="0" fill="hold" nodeType="withEffect">
+                                <p:cTn id="16" presetID="10" presetClass="entr" presetSubtype="0" fill="hold" nodeType="withEffect">
                                   <p:stCondLst>
                                     <p:cond delay="0"/>
                                   </p:stCondLst>
                                   <p:childTnLst>
                                     <p:set>
                                       <p:cBhvr>
-                                        <p:cTn id="14" dur="1" fill="hold">
+                                        <p:cTn id="17" dur="1" fill="hold">
                                           <p:stCondLst>
                                             <p:cond delay="0"/>
                                           </p:stCondLst>
@@ -6460,18 +6788,30 @@
                                         <p:strVal val="visible"/>
                                       </p:to>
                                     </p:set>
+                                    <p:animEffect transition="in" filter="fade">
+                                      <p:cBhvr>
+                                        <p:cTn id="18" dur="500"/>
+                                        <p:tgtEl>
+                                          <p:spTgt spid="20483">
+                                            <p:txEl>
+                                              <p:pRg st="4" end="4"/>
+                                            </p:txEl>
+                                          </p:spTgt>
+                                        </p:tgtEl>
+                                      </p:cBhvr>
+                                    </p:animEffect>
                                   </p:childTnLst>
                                 </p:cTn>
                               </p:par>
                               <p:par>
-                                <p:cTn id="15" presetID="1" presetClass="entr" presetSubtype="0" fill="hold" nodeType="withEffect">
+                                <p:cTn id="19" presetID="10" presetClass="entr" presetSubtype="0" fill="hold" nodeType="withEffect">
                                   <p:stCondLst>
                                     <p:cond delay="0"/>
                                   </p:stCondLst>
                                   <p:childTnLst>
                                     <p:set>
                                       <p:cBhvr>
-                                        <p:cTn id="16" dur="1" fill="hold">
+                                        <p:cTn id="20" dur="1" fill="hold">
                                           <p:stCondLst>
                                             <p:cond delay="0"/>
                                           </p:stCondLst>
@@ -6491,6 +6831,18 @@
                                         <p:strVal val="visible"/>
                                       </p:to>
                                     </p:set>
+                                    <p:animEffect transition="in" filter="fade">
+                                      <p:cBhvr>
+                                        <p:cTn id="21" dur="500"/>
+                                        <p:tgtEl>
+                                          <p:spTgt spid="20483">
+                                            <p:txEl>
+                                              <p:pRg st="5" end="5"/>
+                                            </p:txEl>
+                                          </p:spTgt>
+                                        </p:tgtEl>
+                                      </p:cBhvr>
+                                    </p:animEffect>
                                   </p:childTnLst>
                                 </p:cTn>
                               </p:par>
@@ -6699,14 +7051,14 @@
   <p:clrMapOvr>
     <a:masterClrMapping/>
   </p:clrMapOvr>
-  <mc:AlternateContent xmlns:mc="http://schemas.openxmlformats.org/markup-compatibility/2006" xmlns:p14="http://schemas.microsoft.com/office/powerpoint/2010/main">
-    <mc:Choice Requires="p14">
-      <p:transition spd="med" p14:dur="700">
+  <mc:AlternateContent xmlns:mc="http://schemas.openxmlformats.org/markup-compatibility/2006">
+    <mc:Choice xmlns:p14="http://schemas.microsoft.com/office/powerpoint/2010/main" Requires="p14">
+      <p:transition spd="slow" p14:dur="900" advClick="0">
         <p:fade/>
       </p:transition>
     </mc:Choice>
-    <mc:Fallback xmlns="">
-      <p:transition xmlns:p14="http://schemas.microsoft.com/office/powerpoint/2010/main" spd="med">
+    <mc:Fallback>
+      <p:transition xmlns:p14="http://schemas.microsoft.com/office/powerpoint/2010/main" spd="slow" advClick="0">
         <p:fade/>
       </p:transition>
     </mc:Fallback>
@@ -7174,14 +7526,14 @@
   <p:clrMapOvr>
     <a:masterClrMapping/>
   </p:clrMapOvr>
-  <mc:AlternateContent xmlns:mc="http://schemas.openxmlformats.org/markup-compatibility/2006" xmlns:p14="http://schemas.microsoft.com/office/powerpoint/2010/main">
-    <mc:Choice Requires="p14">
-      <p:transition spd="med" p14:dur="700">
+  <mc:AlternateContent xmlns:mc="http://schemas.openxmlformats.org/markup-compatibility/2006">
+    <mc:Choice xmlns:p14="http://schemas.microsoft.com/office/powerpoint/2010/main" Requires="p14">
+      <p:transition spd="med" p14:dur="700" advClick="0">
         <p:fade/>
       </p:transition>
     </mc:Choice>
-    <mc:Fallback xmlns="">
-      <p:transition xmlns:p14="http://schemas.microsoft.com/office/powerpoint/2010/main" spd="med">
+    <mc:Fallback>
+      <p:transition xmlns:p14="http://schemas.microsoft.com/office/powerpoint/2010/main" spd="med" advClick="0">
         <p:fade/>
       </p:transition>
     </mc:Fallback>
@@ -7207,7 +7559,7 @@
                             </p:stCondLst>
                             <p:childTnLst>
                               <p:par>
-                                <p:cTn id="5" presetID="1" presetClass="entr" presetSubtype="0" fill="hold" nodeType="clickEffect">
+                                <p:cTn id="5" presetID="10" presetClass="entr" presetSubtype="0" fill="hold" nodeType="clickEffect">
                                   <p:stCondLst>
                                     <p:cond delay="0"/>
                                   </p:stCondLst>
@@ -7234,6 +7586,18 @@
                                         <p:strVal val="visible"/>
                                       </p:to>
                                     </p:set>
+                                    <p:animEffect transition="in" filter="fade">
+                                      <p:cBhvr>
+                                        <p:cTn id="7" dur="500"/>
+                                        <p:tgtEl>
+                                          <p:spTgt spid="25603">
+                                            <p:txEl>
+                                              <p:pRg st="1" end="1"/>
+                                            </p:txEl>
+                                          </p:spTgt>
+                                        </p:tgtEl>
+                                      </p:cBhvr>
+                                    </p:animEffect>
                                   </p:childTnLst>
                                 </p:cTn>
                               </p:par>
@@ -7244,26 +7608,26 @@
                     </p:cTn>
                   </p:par>
                   <p:par>
-                    <p:cTn id="7" fill="hold" nodeType="clickPar">
+                    <p:cTn id="8" fill="hold" nodeType="clickPar">
                       <p:stCondLst>
                         <p:cond delay="indefinite"/>
                       </p:stCondLst>
                       <p:childTnLst>
                         <p:par>
-                          <p:cTn id="8" fill="hold" nodeType="withGroup">
+                          <p:cTn id="9" fill="hold" nodeType="withGroup">
                             <p:stCondLst>
                               <p:cond delay="0"/>
                             </p:stCondLst>
                             <p:childTnLst>
                               <p:par>
-                                <p:cTn id="9" presetID="1" presetClass="entr" presetSubtype="0" fill="hold" grpId="1" nodeType="clickEffect">
+                                <p:cTn id="10" presetID="10" presetClass="entr" presetSubtype="0" fill="hold" grpId="1" nodeType="clickEffect">
                                   <p:stCondLst>
                                     <p:cond delay="0"/>
                                   </p:stCondLst>
                                   <p:childTnLst>
                                     <p:set>
                                       <p:cBhvr>
-                                        <p:cTn id="10" dur="1" fill="hold">
+                                        <p:cTn id="11" dur="1" fill="hold">
                                           <p:stCondLst>
                                             <p:cond delay="0"/>
                                           </p:stCondLst>
@@ -7283,18 +7647,48 @@
                                         <p:strVal val="visible"/>
                                       </p:to>
                                     </p:set>
+                                    <p:animEffect transition="in" filter="fade">
+                                      <p:cBhvr>
+                                        <p:cTn id="12" dur="500"/>
+                                        <p:tgtEl>
+                                          <p:spTgt spid="25603">
+                                            <p:txEl>
+                                              <p:pRg st="2" end="2"/>
+                                            </p:txEl>
+                                          </p:spTgt>
+                                        </p:tgtEl>
+                                      </p:cBhvr>
+                                    </p:animEffect>
                                   </p:childTnLst>
                                 </p:cTn>
                               </p:par>
+                            </p:childTnLst>
+                          </p:cTn>
+                        </p:par>
+                      </p:childTnLst>
+                    </p:cTn>
+                  </p:par>
+                  <p:par>
+                    <p:cTn id="13" fill="hold">
+                      <p:stCondLst>
+                        <p:cond delay="indefinite"/>
+                      </p:stCondLst>
+                      <p:childTnLst>
+                        <p:par>
+                          <p:cTn id="14" fill="hold">
+                            <p:stCondLst>
+                              <p:cond delay="0"/>
+                            </p:stCondLst>
+                            <p:childTnLst>
                               <p:par>
-                                <p:cTn id="11" presetID="1" presetClass="entr" presetSubtype="0" fill="hold" grpId="1" nodeType="withEffect">
+                                <p:cTn id="15" presetID="22" presetClass="entr" presetSubtype="8" fill="hold" nodeType="clickEffect">
                                   <p:stCondLst>
                                     <p:cond delay="0"/>
                                   </p:stCondLst>
                                   <p:childTnLst>
                                     <p:set>
                                       <p:cBhvr>
-                                        <p:cTn id="12" dur="1" fill="hold">
+                                        <p:cTn id="16" dur="1" fill="hold">
                                           <p:stCondLst>
                                             <p:cond delay="0"/>
                                           </p:stCondLst>
@@ -7314,6 +7708,18 @@
                                         <p:strVal val="visible"/>
                                       </p:to>
                                     </p:set>
+                                    <p:animEffect transition="in" filter="wipe(left)">
+                                      <p:cBhvr>
+                                        <p:cTn id="17" dur="1000"/>
+                                        <p:tgtEl>
+                                          <p:spTgt spid="25603">
+                                            <p:txEl>
+                                              <p:pRg st="3" end="3"/>
+                                            </p:txEl>
+                                          </p:spTgt>
+                                        </p:tgtEl>
+                                      </p:cBhvr>
+                                    </p:animEffect>
                                   </p:childTnLst>
                                 </p:cTn>
                               </p:par>
@@ -7324,26 +7730,26 @@
                     </p:cTn>
                   </p:par>
                   <p:par>
-                    <p:cTn id="13" fill="hold" nodeType="clickPar">
+                    <p:cTn id="18" fill="hold">
                       <p:stCondLst>
                         <p:cond delay="indefinite"/>
                       </p:stCondLst>
                       <p:childTnLst>
                         <p:par>
-                          <p:cTn id="14" fill="hold" nodeType="withGroup">
+                          <p:cTn id="19" fill="hold">
                             <p:stCondLst>
                               <p:cond delay="0"/>
                             </p:stCondLst>
                             <p:childTnLst>
                               <p:par>
-                                <p:cTn id="15" presetID="1" presetClass="entr" presetSubtype="0" fill="hold" nodeType="clickEffect">
+                                <p:cTn id="20" presetID="10" presetClass="entr" presetSubtype="0" fill="hold" nodeType="clickEffect">
                                   <p:stCondLst>
                                     <p:cond delay="0"/>
                                   </p:stCondLst>
                                   <p:childTnLst>
                                     <p:set>
                                       <p:cBhvr>
-                                        <p:cTn id="16" dur="1" fill="hold">
+                                        <p:cTn id="21" dur="1" fill="hold">
                                           <p:stCondLst>
                                             <p:cond delay="0"/>
                                           </p:stCondLst>
@@ -7363,6 +7769,18 @@
                                         <p:strVal val="visible"/>
                                       </p:to>
                                     </p:set>
+                                    <p:animEffect transition="in" filter="fade">
+                                      <p:cBhvr>
+                                        <p:cTn id="22" dur="500"/>
+                                        <p:tgtEl>
+                                          <p:spTgt spid="25603">
+                                            <p:txEl>
+                                              <p:pRg st="4" end="4"/>
+                                            </p:txEl>
+                                          </p:spTgt>
+                                        </p:tgtEl>
+                                      </p:cBhvr>
+                                    </p:animEffect>
                                   </p:childTnLst>
                                 </p:cTn>
                               </p:par>
@@ -7373,26 +7791,26 @@
                     </p:cTn>
                   </p:par>
                   <p:par>
-                    <p:cTn id="17" fill="hold" nodeType="clickPar">
+                    <p:cTn id="23" fill="hold">
                       <p:stCondLst>
                         <p:cond delay="indefinite"/>
                       </p:stCondLst>
                       <p:childTnLst>
                         <p:par>
-                          <p:cTn id="18" fill="hold" nodeType="withGroup">
+                          <p:cTn id="24" fill="hold">
                             <p:stCondLst>
                               <p:cond delay="0"/>
                             </p:stCondLst>
                             <p:childTnLst>
                               <p:par>
-                                <p:cTn id="19" presetID="1" presetClass="entr" presetSubtype="0" fill="hold" nodeType="clickEffect">
+                                <p:cTn id="25" presetID="10" presetClass="entr" presetSubtype="0" fill="hold" nodeType="clickEffect">
                                   <p:stCondLst>
                                     <p:cond delay="0"/>
                                   </p:stCondLst>
                                   <p:childTnLst>
                                     <p:set>
                                       <p:cBhvr>
-                                        <p:cTn id="20" dur="1" fill="hold">
+                                        <p:cTn id="26" dur="1" fill="hold">
                                           <p:stCondLst>
                                             <p:cond delay="0"/>
                                           </p:stCondLst>
@@ -7412,6 +7830,18 @@
                                         <p:strVal val="visible"/>
                                       </p:to>
                                     </p:set>
+                                    <p:animEffect transition="in" filter="fade">
+                                      <p:cBhvr>
+                                        <p:cTn id="27" dur="500"/>
+                                        <p:tgtEl>
+                                          <p:spTgt spid="25603">
+                                            <p:txEl>
+                                              <p:pRg st="5" end="5"/>
+                                            </p:txEl>
+                                          </p:spTgt>
+                                        </p:tgtEl>
+                                      </p:cBhvr>
+                                    </p:animEffect>
                                   </p:childTnLst>
                                 </p:cTn>
                               </p:par>
@@ -7658,14 +8088,14 @@
   <p:clrMapOvr>
     <a:masterClrMapping/>
   </p:clrMapOvr>
-  <mc:AlternateContent xmlns:mc="http://schemas.openxmlformats.org/markup-compatibility/2006" xmlns:p14="http://schemas.microsoft.com/office/powerpoint/2010/main">
-    <mc:Choice Requires="p14">
-      <p:transition spd="med" p14:dur="700">
+  <mc:AlternateContent xmlns:mc="http://schemas.openxmlformats.org/markup-compatibility/2006">
+    <mc:Choice xmlns:p14="http://schemas.microsoft.com/office/powerpoint/2010/main" Requires="p14">
+      <p:transition spd="med" p14:dur="700" advClick="0">
         <p:fade/>
       </p:transition>
     </mc:Choice>
-    <mc:Fallback xmlns="">
-      <p:transition xmlns:p14="http://schemas.microsoft.com/office/powerpoint/2010/main" spd="med">
+    <mc:Fallback>
+      <p:transition xmlns:p14="http://schemas.microsoft.com/office/powerpoint/2010/main" spd="med" advClick="0">
         <p:fade/>
       </p:transition>
     </mc:Fallback>
@@ -7691,7 +8121,7 @@
                             </p:stCondLst>
                             <p:childTnLst>
                               <p:par>
-                                <p:cTn id="5" presetID="1" presetClass="entr" presetSubtype="0" fill="hold" nodeType="clickEffect">
+                                <p:cTn id="5" presetID="10" presetClass="entr" presetSubtype="0" fill="hold" nodeType="clickEffect">
                                   <p:stCondLst>
                                     <p:cond delay="0"/>
                                   </p:stCondLst>
@@ -7718,18 +8148,30 @@
                                         <p:strVal val="visible"/>
                                       </p:to>
                                     </p:set>
+                                    <p:animEffect transition="in" filter="fade">
+                                      <p:cBhvr>
+                                        <p:cTn id="7" dur="500"/>
+                                        <p:tgtEl>
+                                          <p:spTgt spid="134147">
+                                            <p:txEl>
+                                              <p:pRg st="2" end="2"/>
+                                            </p:txEl>
+                                          </p:spTgt>
+                                        </p:tgtEl>
+                                      </p:cBhvr>
+                                    </p:animEffect>
                                   </p:childTnLst>
                                 </p:cTn>
                               </p:par>
                               <p:par>
-                                <p:cTn id="7" presetID="1" presetClass="entr" presetSubtype="0" fill="hold" nodeType="withEffect">
+                                <p:cTn id="8" presetID="10" presetClass="entr" presetSubtype="0" fill="hold" nodeType="withEffect">
                                   <p:stCondLst>
                                     <p:cond delay="0"/>
                                   </p:stCondLst>
                                   <p:childTnLst>
                                     <p:set>
                                       <p:cBhvr>
-                                        <p:cTn id="8" dur="1" fill="hold">
+                                        <p:cTn id="9" dur="1" fill="hold">
                                           <p:stCondLst>
                                             <p:cond delay="0"/>
                                           </p:stCondLst>
@@ -7749,18 +8191,48 @@
                                         <p:strVal val="visible"/>
                                       </p:to>
                                     </p:set>
+                                    <p:animEffect transition="in" filter="fade">
+                                      <p:cBhvr>
+                                        <p:cTn id="10" dur="500"/>
+                                        <p:tgtEl>
+                                          <p:spTgt spid="134147">
+                                            <p:txEl>
+                                              <p:pRg st="3" end="3"/>
+                                            </p:txEl>
+                                          </p:spTgt>
+                                        </p:tgtEl>
+                                      </p:cBhvr>
+                                    </p:animEffect>
                                   </p:childTnLst>
                                 </p:cTn>
                               </p:par>
+                            </p:childTnLst>
+                          </p:cTn>
+                        </p:par>
+                      </p:childTnLst>
+                    </p:cTn>
+                  </p:par>
+                  <p:par>
+                    <p:cTn id="11" fill="hold">
+                      <p:stCondLst>
+                        <p:cond delay="indefinite"/>
+                      </p:stCondLst>
+                      <p:childTnLst>
+                        <p:par>
+                          <p:cTn id="12" fill="hold">
+                            <p:stCondLst>
+                              <p:cond delay="0"/>
+                            </p:stCondLst>
+                            <p:childTnLst>
                               <p:par>
-                                <p:cTn id="9" presetID="1" presetClass="entr" presetSubtype="0" fill="hold" nodeType="withEffect">
+                                <p:cTn id="13" presetID="10" presetClass="entr" presetSubtype="0" fill="hold" nodeType="clickEffect">
                                   <p:stCondLst>
                                     <p:cond delay="0"/>
                                   </p:stCondLst>
                                   <p:childTnLst>
                                     <p:set>
                                       <p:cBhvr>
-                                        <p:cTn id="10" dur="1" fill="hold">
+                                        <p:cTn id="14" dur="1" fill="hold">
                                           <p:stCondLst>
                                             <p:cond delay="0"/>
                                           </p:stCondLst>
@@ -7780,18 +8252,48 @@
                                         <p:strVal val="visible"/>
                                       </p:to>
                                     </p:set>
+                                    <p:animEffect transition="in" filter="fade">
+                                      <p:cBhvr>
+                                        <p:cTn id="15" dur="500"/>
+                                        <p:tgtEl>
+                                          <p:spTgt spid="134147">
+                                            <p:txEl>
+                                              <p:pRg st="6" end="6"/>
+                                            </p:txEl>
+                                          </p:spTgt>
+                                        </p:tgtEl>
+                                      </p:cBhvr>
+                                    </p:animEffect>
                                   </p:childTnLst>
                                 </p:cTn>
                               </p:par>
+                            </p:childTnLst>
+                          </p:cTn>
+                        </p:par>
+                      </p:childTnLst>
+                    </p:cTn>
+                  </p:par>
+                  <p:par>
+                    <p:cTn id="16" fill="hold">
+                      <p:stCondLst>
+                        <p:cond delay="indefinite"/>
+                      </p:stCondLst>
+                      <p:childTnLst>
+                        <p:par>
+                          <p:cTn id="17" fill="hold">
+                            <p:stCondLst>
+                              <p:cond delay="0"/>
+                            </p:stCondLst>
+                            <p:childTnLst>
                               <p:par>
-                                <p:cTn id="11" presetID="1" presetClass="entr" presetSubtype="0" fill="hold" nodeType="withEffect">
+                                <p:cTn id="18" presetID="10" presetClass="entr" presetSubtype="0" fill="hold" nodeType="clickEffect">
                                   <p:stCondLst>
                                     <p:cond delay="0"/>
                                   </p:stCondLst>
                                   <p:childTnLst>
                                     <p:set>
                                       <p:cBhvr>
-                                        <p:cTn id="12" dur="1" fill="hold">
+                                        <p:cTn id="19" dur="1" fill="hold">
                                           <p:stCondLst>
                                             <p:cond delay="0"/>
                                           </p:stCondLst>
@@ -7811,18 +8313,48 @@
                                         <p:strVal val="visible"/>
                                       </p:to>
                                     </p:set>
+                                    <p:animEffect transition="in" filter="fade">
+                                      <p:cBhvr>
+                                        <p:cTn id="20" dur="500"/>
+                                        <p:tgtEl>
+                                          <p:spTgt spid="134147">
+                                            <p:txEl>
+                                              <p:pRg st="4" end="4"/>
+                                            </p:txEl>
+                                          </p:spTgt>
+                                        </p:tgtEl>
+                                      </p:cBhvr>
+                                    </p:animEffect>
                                   </p:childTnLst>
                                 </p:cTn>
                               </p:par>
+                            </p:childTnLst>
+                          </p:cTn>
+                        </p:par>
+                      </p:childTnLst>
+                    </p:cTn>
+                  </p:par>
+                  <p:par>
+                    <p:cTn id="21" fill="hold">
+                      <p:stCondLst>
+                        <p:cond delay="indefinite"/>
+                      </p:stCondLst>
+                      <p:childTnLst>
+                        <p:par>
+                          <p:cTn id="22" fill="hold">
+                            <p:stCondLst>
+                              <p:cond delay="0"/>
+                            </p:stCondLst>
+                            <p:childTnLst>
                               <p:par>
-                                <p:cTn id="13" presetID="1" presetClass="entr" presetSubtype="0" fill="hold" nodeType="withEffect">
+                                <p:cTn id="23" presetID="10" presetClass="entr" presetSubtype="0" fill="hold" nodeType="clickEffect">
                                   <p:stCondLst>
                                     <p:cond delay="0"/>
                                   </p:stCondLst>
                                   <p:childTnLst>
                                     <p:set>
                                       <p:cBhvr>
-                                        <p:cTn id="14" dur="1" fill="hold">
+                                        <p:cTn id="24" dur="1" fill="hold">
                                           <p:stCondLst>
                                             <p:cond delay="0"/>
                                           </p:stCondLst>
@@ -7842,6 +8374,18 @@
                                         <p:strVal val="visible"/>
                                       </p:to>
                                     </p:set>
+                                    <p:animEffect transition="in" filter="fade">
+                                      <p:cBhvr>
+                                        <p:cTn id="25" dur="500"/>
+                                        <p:tgtEl>
+                                          <p:spTgt spid="134147">
+                                            <p:txEl>
+                                              <p:pRg st="5" end="5"/>
+                                            </p:txEl>
+                                          </p:spTgt>
+                                        </p:tgtEl>
+                                      </p:cBhvr>
+                                    </p:animEffect>
                                   </p:childTnLst>
                                 </p:cTn>
                               </p:par>
@@ -7993,7 +8537,7 @@
           <a:graphicData uri="http://schemas.openxmlformats.org/presentationml/2006/ole">
             <mc:AlternateContent xmlns:mc="http://schemas.openxmlformats.org/markup-compatibility/2006">
               <mc:Choice xmlns:v="urn:schemas-microsoft-com:vml" Requires="v">
-                <p:oleObj spid="_x0000_s122940" name="Equation" r:id="rId4" imgW="1803240" imgH="482400" progId="Equation.DSMT4">
+                <p:oleObj spid="_x0000_s122947" name="Equation" r:id="rId4" imgW="1803240" imgH="482400" progId="Equation.DSMT4">
                   <p:embed/>
                 </p:oleObj>
               </mc:Choice>
@@ -8088,7 +8632,7 @@
           <a:graphicData uri="http://schemas.openxmlformats.org/presentationml/2006/ole">
             <mc:AlternateContent xmlns:mc="http://schemas.openxmlformats.org/markup-compatibility/2006">
               <mc:Choice xmlns:v="urn:schemas-microsoft-com:vml" Requires="v">
-                <p:oleObj spid="_x0000_s122941" name="Equation" r:id="rId6" imgW="2145960" imgH="482400" progId="Equation.DSMT4">
+                <p:oleObj spid="_x0000_s122948" name="Equation" r:id="rId6" imgW="2145960" imgH="482400" progId="Equation.DSMT4">
                   <p:embed/>
                 </p:oleObj>
               </mc:Choice>
@@ -8172,14 +8716,14 @@
   <p:clrMapOvr>
     <a:masterClrMapping/>
   </p:clrMapOvr>
-  <mc:AlternateContent xmlns:mc="http://schemas.openxmlformats.org/markup-compatibility/2006" xmlns:p14="http://schemas.microsoft.com/office/powerpoint/2010/main">
-    <mc:Choice Requires="p14">
-      <p:transition spd="med" p14:dur="700">
+  <mc:AlternateContent xmlns:mc="http://schemas.openxmlformats.org/markup-compatibility/2006">
+    <mc:Choice xmlns:p14="http://schemas.microsoft.com/office/powerpoint/2010/main" Requires="p14">
+      <p:transition spd="med" p14:dur="700" advClick="0">
         <p:fade/>
       </p:transition>
     </mc:Choice>
-    <mc:Fallback xmlns="">
-      <p:transition xmlns:p14="http://schemas.microsoft.com/office/powerpoint/2010/main" spd="med">
+    <mc:Fallback>
+      <p:transition xmlns:p14="http://schemas.microsoft.com/office/powerpoint/2010/main" spd="med" advClick="0">
         <p:fade/>
       </p:transition>
     </mc:Fallback>
@@ -8205,7 +8749,7 @@
                             </p:stCondLst>
                             <p:childTnLst>
                               <p:par>
-                                <p:cTn id="5" presetID="1" presetClass="entr" presetSubtype="0" fill="hold" nodeType="clickEffect">
+                                <p:cTn id="5" presetID="22" presetClass="entr" presetSubtype="8" fill="hold" nodeType="clickEffect">
                                   <p:stCondLst>
                                     <p:cond delay="0"/>
                                   </p:stCondLst>
@@ -8213,6 +8757,59 @@
                                     <p:set>
                                       <p:cBhvr>
                                         <p:cTn id="6" dur="1" fill="hold">
+                                          <p:stCondLst>
+                                            <p:cond delay="0"/>
+                                          </p:stCondLst>
+                                        </p:cTn>
+                                        <p:tgtEl>
+                                          <p:spTgt spid="122885"/>
+                                        </p:tgtEl>
+                                        <p:attrNameLst>
+                                          <p:attrName>style.visibility</p:attrName>
+                                        </p:attrNameLst>
+                                      </p:cBhvr>
+                                      <p:to>
+                                        <p:strVal val="visible"/>
+                                      </p:to>
+                                    </p:set>
+                                    <p:animEffect transition="in" filter="wipe(left)">
+                                      <p:cBhvr>
+                                        <p:cTn id="7" dur="2000"/>
+                                        <p:tgtEl>
+                                          <p:spTgt spid="122885"/>
+                                        </p:tgtEl>
+                                      </p:cBhvr>
+                                    </p:animEffect>
+                                  </p:childTnLst>
+                                </p:cTn>
+                              </p:par>
+                            </p:childTnLst>
+                          </p:cTn>
+                        </p:par>
+                      </p:childTnLst>
+                    </p:cTn>
+                  </p:par>
+                  <p:par>
+                    <p:cTn id="8" fill="hold">
+                      <p:stCondLst>
+                        <p:cond delay="indefinite"/>
+                      </p:stCondLst>
+                      <p:childTnLst>
+                        <p:par>
+                          <p:cTn id="9" fill="hold">
+                            <p:stCondLst>
+                              <p:cond delay="0"/>
+                            </p:stCondLst>
+                            <p:childTnLst>
+                              <p:par>
+                                <p:cTn id="10" presetID="22" presetClass="entr" presetSubtype="8" fill="hold" nodeType="clickEffect">
+                                  <p:stCondLst>
+                                    <p:cond delay="0"/>
+                                  </p:stCondLst>
+                                  <p:childTnLst>
+                                    <p:set>
+                                      <p:cBhvr>
+                                        <p:cTn id="11" dur="1" fill="hold">
                                           <p:stCondLst>
                                             <p:cond delay="0"/>
                                           </p:stCondLst>
@@ -8228,6 +8825,14 @@
                                         <p:strVal val="visible"/>
                                       </p:to>
                                     </p:set>
+                                    <p:animEffect transition="in" filter="wipe(left)">
+                                      <p:cBhvr>
+                                        <p:cTn id="12" dur="1000"/>
+                                        <p:tgtEl>
+                                          <p:spTgt spid="122886"/>
+                                        </p:tgtEl>
+                                      </p:cBhvr>
+                                    </p:animEffect>
                                   </p:childTnLst>
                                 </p:cTn>
                               </p:par>
@@ -8317,7 +8922,7 @@
           <a:graphicData uri="http://schemas.openxmlformats.org/presentationml/2006/ole">
             <mc:AlternateContent xmlns:mc="http://schemas.openxmlformats.org/markup-compatibility/2006">
               <mc:Choice xmlns:v="urn:schemas-microsoft-com:vml" Requires="v">
-                <p:oleObj spid="_x0000_s128048" name="Equation" r:id="rId4" imgW="1765080" imgH="444240" progId="Equation.DSMT4">
+                <p:oleObj spid="_x0000_s128052" name="Equation" r:id="rId4" imgW="1765080" imgH="444240" progId="Equation.DSMT4">
                   <p:embed/>
                 </p:oleObj>
               </mc:Choice>
@@ -8401,14 +9006,14 @@
   <p:clrMapOvr>
     <a:masterClrMapping/>
   </p:clrMapOvr>
-  <mc:AlternateContent xmlns:mc="http://schemas.openxmlformats.org/markup-compatibility/2006" xmlns:p14="http://schemas.microsoft.com/office/powerpoint/2010/main">
-    <mc:Choice Requires="p14">
-      <p:transition spd="med" p14:dur="700">
+  <mc:AlternateContent xmlns:mc="http://schemas.openxmlformats.org/markup-compatibility/2006">
+    <mc:Choice xmlns:p14="http://schemas.microsoft.com/office/powerpoint/2010/main" Requires="p14">
+      <p:transition spd="med" p14:dur="700" advClick="0">
         <p:fade/>
       </p:transition>
     </mc:Choice>
-    <mc:Fallback xmlns="">
-      <p:transition xmlns:p14="http://schemas.microsoft.com/office/powerpoint/2010/main" spd="med">
+    <mc:Fallback>
+      <p:transition xmlns:p14="http://schemas.microsoft.com/office/powerpoint/2010/main" spd="med" advClick="0">
         <p:fade/>
       </p:transition>
     </mc:Fallback>
@@ -8484,7 +9089,7 @@
           <a:graphicData uri="http://schemas.openxmlformats.org/presentationml/2006/ole">
             <mc:AlternateContent xmlns:mc="http://schemas.openxmlformats.org/markup-compatibility/2006">
               <mc:Choice xmlns:v="urn:schemas-microsoft-com:vml" Requires="v">
-                <p:oleObj spid="_x0000_s27708" name="Equation" r:id="rId4" imgW="1549400" imgH="292100" progId="Equation.DSMT4">
+                <p:oleObj spid="_x0000_s27715" name="Equation" r:id="rId4" imgW="1549400" imgH="292100" progId="Equation.DSMT4">
                   <p:embed/>
                 </p:oleObj>
               </mc:Choice>
@@ -8550,7 +9155,7 @@
           <a:graphicData uri="http://schemas.openxmlformats.org/presentationml/2006/ole">
             <mc:AlternateContent xmlns:mc="http://schemas.openxmlformats.org/markup-compatibility/2006">
               <mc:Choice xmlns:v="urn:schemas-microsoft-com:vml" Requires="v">
-                <p:oleObj spid="_x0000_s27709" name="Equation" r:id="rId6" imgW="1879600" imgH="292100" progId="Equation.DSMT4">
+                <p:oleObj spid="_x0000_s27716" name="Equation" r:id="rId6" imgW="1879600" imgH="292100" progId="Equation.DSMT4">
                   <p:embed/>
                 </p:oleObj>
               </mc:Choice>
@@ -8599,7 +9204,7 @@
   <p:clrMapOvr>
     <a:masterClrMapping/>
   </p:clrMapOvr>
-  <p:transition xmlns:p14="http://schemas.microsoft.com/office/powerpoint/2010/main" spd="slow">
+  <p:transition xmlns:p14="http://schemas.microsoft.com/office/powerpoint/2010/main" spd="slow" advClick="0">
     <p:fade thruBlk="1"/>
   </p:transition>
   <p:timing>
@@ -8749,7 +9354,7 @@
           <a:graphicData uri="http://schemas.openxmlformats.org/presentationml/2006/ole">
             <mc:AlternateContent xmlns:mc="http://schemas.openxmlformats.org/markup-compatibility/2006">
               <mc:Choice xmlns:v="urn:schemas-microsoft-com:vml" Requires="v">
-                <p:oleObj spid="_x0000_s1053" name="Equation" r:id="rId4" imgW="1549400" imgH="292100" progId="Equation.DSMT4">
+                <p:oleObj spid="_x0000_s1060" name="Equation" r:id="rId4" imgW="1549400" imgH="292100" progId="Equation.DSMT4">
                   <p:embed/>
                 </p:oleObj>
               </mc:Choice>
@@ -8815,7 +9420,7 @@
           <a:graphicData uri="http://schemas.openxmlformats.org/presentationml/2006/ole">
             <mc:AlternateContent xmlns:mc="http://schemas.openxmlformats.org/markup-compatibility/2006">
               <mc:Choice xmlns:v="urn:schemas-microsoft-com:vml" Requires="v">
-                <p:oleObj spid="_x0000_s1054" name="Equation" r:id="rId6" imgW="1955800" imgH="292100" progId="Equation.DSMT4">
+                <p:oleObj spid="_x0000_s1061" name="Equation" r:id="rId6" imgW="1955800" imgH="292100" progId="Equation.DSMT4">
                   <p:embed/>
                 </p:oleObj>
               </mc:Choice>
@@ -8869,7 +9474,7 @@
   <p:clrMapOvr>
     <a:masterClrMapping/>
   </p:clrMapOvr>
-  <p:transition xmlns:p14="http://schemas.microsoft.com/office/powerpoint/2010/main" advTm="200">
+  <p:transition xmlns:p14="http://schemas.microsoft.com/office/powerpoint/2010/main" advClick="0" advTm="400">
     <p:strips dir="rd"/>
   </p:transition>
   <p:timing>
@@ -8943,7 +9548,7 @@
           <a:graphicData uri="http://schemas.openxmlformats.org/presentationml/2006/ole">
             <mc:AlternateContent xmlns:mc="http://schemas.openxmlformats.org/markup-compatibility/2006">
               <mc:Choice xmlns:v="urn:schemas-microsoft-com:vml" Requires="v">
-                <p:oleObj spid="_x0000_s135201" name="Equation" r:id="rId4" imgW="1549400" imgH="292100" progId="Equation.DSMT4">
+                <p:oleObj spid="_x0000_s135208" name="Equation" r:id="rId4" imgW="1549400" imgH="292100" progId="Equation.DSMT4">
                   <p:embed/>
                 </p:oleObj>
               </mc:Choice>
@@ -9009,7 +9614,7 @@
           <a:graphicData uri="http://schemas.openxmlformats.org/presentationml/2006/ole">
             <mc:AlternateContent xmlns:mc="http://schemas.openxmlformats.org/markup-compatibility/2006">
               <mc:Choice xmlns:v="urn:schemas-microsoft-com:vml" Requires="v">
-                <p:oleObj spid="_x0000_s135202" name="Equation" r:id="rId6" imgW="2032000" imgH="292100" progId="Equation.DSMT4">
+                <p:oleObj spid="_x0000_s135209" name="Equation" r:id="rId6" imgW="2032000" imgH="292100" progId="Equation.DSMT4">
                   <p:embed/>
                 </p:oleObj>
               </mc:Choice>
@@ -9399,7 +10004,7 @@
           <a:graphicData uri="http://schemas.openxmlformats.org/presentationml/2006/ole">
             <mc:AlternateContent xmlns:mc="http://schemas.openxmlformats.org/markup-compatibility/2006">
               <mc:Choice xmlns:v="urn:schemas-microsoft-com:vml" Requires="v">
-                <p:oleObj spid="_x0000_s136220" name="Equation" r:id="rId4" imgW="1549400" imgH="292100" progId="Equation.DSMT4">
+                <p:oleObj spid="_x0000_s136227" name="Equation" r:id="rId4" imgW="1549400" imgH="292100" progId="Equation.DSMT4">
                   <p:embed/>
                 </p:oleObj>
               </mc:Choice>
@@ -9465,7 +10070,7 @@
           <a:graphicData uri="http://schemas.openxmlformats.org/presentationml/2006/ole">
             <mc:AlternateContent xmlns:mc="http://schemas.openxmlformats.org/markup-compatibility/2006">
               <mc:Choice xmlns:v="urn:schemas-microsoft-com:vml" Requires="v">
-                <p:oleObj spid="_x0000_s136221" name="Equation" r:id="rId6" imgW="2032000" imgH="292100" progId="Equation.DSMT4">
+                <p:oleObj spid="_x0000_s136228" name="Equation" r:id="rId6" imgW="2032000" imgH="292100" progId="Equation.DSMT4">
                   <p:embed/>
                 </p:oleObj>
               </mc:Choice>
@@ -9867,12 +10472,12 @@
   <p:clrMapOvr>
     <a:masterClrMapping/>
   </p:clrMapOvr>
-  <mc:AlternateContent xmlns:mc="http://schemas.openxmlformats.org/markup-compatibility/2006" xmlns:p14="http://schemas.microsoft.com/office/powerpoint/2010/main">
-    <mc:Choice Requires="p14">
-      <p:transition p14:dur="0"/>
+  <mc:AlternateContent xmlns:mc="http://schemas.openxmlformats.org/markup-compatibility/2006">
+    <mc:Choice xmlns:p14="http://schemas.microsoft.com/office/powerpoint/2010/main" Requires="p14">
+      <p:transition p14:dur="0" advClick="0"/>
     </mc:Choice>
-    <mc:Fallback xmlns="">
-      <p:transition xmlns:p14="http://schemas.microsoft.com/office/powerpoint/2010/main"/>
+    <mc:Fallback>
+      <p:transition xmlns:p14="http://schemas.microsoft.com/office/powerpoint/2010/main" advClick="0"/>
     </mc:Fallback>
   </mc:AlternateContent>
   <p:timing>
@@ -9899,7 +10504,7 @@
                             </p:stCondLst>
                             <p:childTnLst>
                               <p:par>
-                                <p:cTn id="5" presetID="9" presetClass="entr" presetSubtype="0" fill="hold" grpId="0" nodeType="afterEffect">
+                                <p:cTn id="5" presetID="10" presetClass="entr" presetSubtype="0" fill="hold" grpId="0" nodeType="afterEffect">
                                   <p:stCondLst>
                                     <p:cond delay="0"/>
                                   </p:stCondLst>
@@ -9922,9 +10527,9 @@
                                         <p:strVal val="visible"/>
                                       </p:to>
                                     </p:set>
-                                    <p:animEffect transition="in" filter="dissolve">
+                                    <p:animEffect transition="in" filter="fade">
                                       <p:cBhvr>
-                                        <p:cTn id="7" dur="1000"/>
+                                        <p:cTn id="7" dur="500"/>
                                         <p:tgtEl>
                                           <p:spTgt spid="11"/>
                                         </p:tgtEl>
@@ -9939,11 +10544,11 @@
                         <p:par>
                           <p:cTn id="8" fill="hold">
                             <p:stCondLst>
-                              <p:cond delay="1000"/>
+                              <p:cond delay="500"/>
                             </p:stCondLst>
                             <p:childTnLst>
                               <p:par>
-                                <p:cTn id="9" presetID="9" presetClass="entr" presetSubtype="0" fill="hold" grpId="0" nodeType="afterEffect">
+                                <p:cTn id="9" presetID="10" presetClass="entr" presetSubtype="0" fill="hold" grpId="0" nodeType="afterEffect">
                                   <p:stCondLst>
                                     <p:cond delay="0"/>
                                   </p:stCondLst>
@@ -9966,9 +10571,9 @@
                                         <p:strVal val="visible"/>
                                       </p:to>
                                     </p:set>
-                                    <p:animEffect transition="in" filter="dissolve">
+                                    <p:animEffect transition="in" filter="fade">
                                       <p:cBhvr>
-                                        <p:cTn id="11" dur="1000"/>
+                                        <p:cTn id="11" dur="500"/>
                                         <p:tgtEl>
                                           <p:spTgt spid="14"/>
                                         </p:tgtEl>
@@ -10073,7 +10678,7 @@
           <a:graphicData uri="http://schemas.openxmlformats.org/presentationml/2006/ole">
             <mc:AlternateContent xmlns:mc="http://schemas.openxmlformats.org/markup-compatibility/2006">
               <mc:Choice xmlns:v="urn:schemas-microsoft-com:vml" Requires="v">
-                <p:oleObj spid="_x0000_s144393" name="Equation" r:id="rId4" imgW="762000" imgH="292100" progId="Equation.DSMT4">
+                <p:oleObj spid="_x0000_s144397" name="Equation" r:id="rId4" imgW="762000" imgH="292100" progId="Equation.DSMT4">
                   <p:embed/>
                 </p:oleObj>
               </mc:Choice>
@@ -10285,14 +10890,14 @@
   <p:clrMapOvr>
     <a:masterClrMapping/>
   </p:clrMapOvr>
-  <mc:AlternateContent xmlns:mc="http://schemas.openxmlformats.org/markup-compatibility/2006" xmlns:p14="http://schemas.microsoft.com/office/powerpoint/2010/main">
-    <mc:Choice Requires="p14">
-      <p:transition spd="med" p14:dur="700" advTm="1000">
+  <mc:AlternateContent xmlns:mc="http://schemas.openxmlformats.org/markup-compatibility/2006">
+    <mc:Choice xmlns:p14="http://schemas.microsoft.com/office/powerpoint/2010/main" Requires="p14">
+      <p:transition spd="med" p14:dur="700" advClick="0" advTm="1000">
         <p:fade/>
       </p:transition>
     </mc:Choice>
-    <mc:Fallback xmlns="">
-      <p:transition xmlns:p14="http://schemas.microsoft.com/office/powerpoint/2010/main" spd="med" advTm="1000">
+    <mc:Fallback>
+      <p:transition xmlns:p14="http://schemas.microsoft.com/office/powerpoint/2010/main" spd="med" advClick="0" advTm="1000">
         <p:fade/>
       </p:transition>
     </mc:Fallback>
@@ -10459,7 +11064,7 @@
           <a:graphicData uri="http://schemas.openxmlformats.org/presentationml/2006/ole">
             <mc:AlternateContent xmlns:mc="http://schemas.openxmlformats.org/markup-compatibility/2006">
               <mc:Choice xmlns:v="urn:schemas-microsoft-com:vml" Requires="v">
-                <p:oleObj spid="_x0000_s143381" name="Equation" r:id="rId4" imgW="762000" imgH="292100" progId="Equation.DSMT4">
+                <p:oleObj spid="_x0000_s143391" name="Equation" r:id="rId4" imgW="762000" imgH="292100" progId="Equation.DSMT4">
                   <p:embed/>
                 </p:oleObj>
               </mc:Choice>
@@ -10637,7 +11242,7 @@
           <a:graphicData uri="http://schemas.openxmlformats.org/presentationml/2006/ole">
             <mc:AlternateContent xmlns:mc="http://schemas.openxmlformats.org/markup-compatibility/2006">
               <mc:Choice xmlns:v="urn:schemas-microsoft-com:vml" Requires="v">
-                <p:oleObj spid="_x0000_s143382" name="Equation" r:id="rId6" imgW="127000" imgH="190500" progId="Equation.DSMT4">
+                <p:oleObj spid="_x0000_s143392" name="Equation" r:id="rId6" imgW="127000" imgH="190500" progId="Equation.DSMT4">
                   <p:embed/>
                 </p:oleObj>
               </mc:Choice>
@@ -10759,7 +11364,7 @@
           <a:graphicData uri="http://schemas.openxmlformats.org/presentationml/2006/ole">
             <mc:AlternateContent xmlns:mc="http://schemas.openxmlformats.org/markup-compatibility/2006">
               <mc:Choice xmlns:v="urn:schemas-microsoft-com:vml" Requires="v">
-                <p:oleObj spid="_x0000_s143383" name="Equation" r:id="rId8" imgW="901700" imgH="469900" progId="Equation.DSMT4">
+                <p:oleObj spid="_x0000_s143393" name="Equation" r:id="rId8" imgW="901700" imgH="469900" progId="Equation.DSMT4">
                   <p:embed/>
                 </p:oleObj>
               </mc:Choice>
@@ -10804,14 +11409,14 @@
   <p:clrMapOvr>
     <a:masterClrMapping/>
   </p:clrMapOvr>
-  <mc:AlternateContent xmlns:mc="http://schemas.openxmlformats.org/markup-compatibility/2006" xmlns:p14="http://schemas.microsoft.com/office/powerpoint/2010/main">
-    <mc:Choice Requires="p14">
-      <p:transition spd="med" p14:dur="700">
+  <mc:AlternateContent xmlns:mc="http://schemas.openxmlformats.org/markup-compatibility/2006">
+    <mc:Choice xmlns:p14="http://schemas.microsoft.com/office/powerpoint/2010/main" Requires="p14">
+      <p:transition spd="med" p14:dur="700" advClick="0">
         <p:fade/>
       </p:transition>
     </mc:Choice>
-    <mc:Fallback xmlns="">
-      <p:transition xmlns:p14="http://schemas.microsoft.com/office/powerpoint/2010/main" spd="med">
+    <mc:Fallback>
+      <p:transition xmlns:p14="http://schemas.microsoft.com/office/powerpoint/2010/main" spd="med" advClick="0">
         <p:fade/>
       </p:transition>
     </mc:Fallback>
@@ -11097,7 +11702,7 @@
           <a:graphicData uri="http://schemas.openxmlformats.org/presentationml/2006/ole">
             <mc:AlternateContent xmlns:mc="http://schemas.openxmlformats.org/markup-compatibility/2006">
               <mc:Choice xmlns:v="urn:schemas-microsoft-com:vml" Requires="v">
-                <p:oleObj spid="_x0000_s114751" name="Equation" r:id="rId4" imgW="2184400" imgH="520700" progId="Equation.DSMT4">
+                <p:oleObj spid="_x0000_s114758" name="Equation" r:id="rId4" imgW="2184400" imgH="520700" progId="Equation.DSMT4">
                   <p:embed/>
                 </p:oleObj>
               </mc:Choice>
@@ -11229,13 +11834,13 @@
           <a:lstStyle/>
           <a:p>
             <a:r>
-              <a:rPr lang="en-US">
+              <a:rPr lang="en-US" dirty="0">
                 <a:latin typeface="Comic Sans MS" charset="0"/>
               </a:rPr>
               <a:t>Consider </a:t>
             </a:r>
             <a:r>
-              <a:rPr lang="en-US" i="1">
+              <a:rPr lang="en-US" i="1" dirty="0">
                 <a:solidFill>
                   <a:srgbClr val="008000"/>
                 </a:solidFill>
@@ -11244,7 +11849,7 @@
               <a:t>infinite</a:t>
             </a:r>
             <a:r>
-              <a:rPr lang="en-US">
+              <a:rPr lang="en-US" dirty="0">
                 <a:solidFill>
                   <a:schemeClr val="hlink"/>
                 </a:solidFill>
@@ -11253,7 +11858,7 @@
               <a:t> </a:t>
             </a:r>
             <a:r>
-              <a:rPr lang="en-US">
+              <a:rPr lang="en-US" dirty="0">
                 <a:latin typeface="Comic Sans MS" charset="0"/>
               </a:rPr>
               <a:t>sum (series)</a:t>
@@ -11277,7 +11882,7 @@
           <a:graphicData uri="http://schemas.openxmlformats.org/presentationml/2006/ole">
             <mc:AlternateContent xmlns:mc="http://schemas.openxmlformats.org/markup-compatibility/2006">
               <mc:Choice xmlns:v="urn:schemas-microsoft-com:vml" Requires="v">
-                <p:oleObj spid="_x0000_s114752" name="Equation" r:id="rId6" imgW="939600" imgH="457200" progId="Equation.DSMT4">
+                <p:oleObj spid="_x0000_s114759" name="Equation" r:id="rId6" imgW="939600" imgH="457200" progId="Equation.DSMT4">
                   <p:embed/>
                 </p:oleObj>
               </mc:Choice>
@@ -11361,14 +11966,14 @@
   <p:clrMapOvr>
     <a:masterClrMapping/>
   </p:clrMapOvr>
-  <mc:AlternateContent xmlns:mc="http://schemas.openxmlformats.org/markup-compatibility/2006" xmlns:p14="http://schemas.microsoft.com/office/powerpoint/2010/main">
-    <mc:Choice Requires="p14">
-      <p:transition spd="med" p14:dur="700">
+  <mc:AlternateContent xmlns:mc="http://schemas.openxmlformats.org/markup-compatibility/2006">
+    <mc:Choice xmlns:p14="http://schemas.microsoft.com/office/powerpoint/2010/main" Requires="p14">
+      <p:transition spd="med" p14:dur="700" advClick="0">
         <p:fade/>
       </p:transition>
     </mc:Choice>
-    <mc:Fallback xmlns="">
-      <p:transition xmlns:p14="http://schemas.microsoft.com/office/powerpoint/2010/main" spd="med">
+    <mc:Fallback>
+      <p:transition xmlns:p14="http://schemas.microsoft.com/office/powerpoint/2010/main" spd="med" advClick="0">
         <p:fade/>
       </p:transition>
     </mc:Fallback>
@@ -11376,9 +11981,132 @@
   <p:timing>
     <p:tnLst>
       <p:par>
-        <p:cTn xmlns:p14="http://schemas.microsoft.com/office/powerpoint/2010/main" id="1" dur="indefinite" restart="never" nodeType="tmRoot"/>
+        <p:cTn xmlns:p14="http://schemas.microsoft.com/office/powerpoint/2010/main" id="1" dur="indefinite" restart="never" nodeType="tmRoot">
+          <p:childTnLst>
+            <p:seq concurrent="1" nextAc="seek">
+              <p:cTn id="2" dur="indefinite" nodeType="mainSeq">
+                <p:childTnLst>
+                  <p:par>
+                    <p:cTn id="3" fill="hold">
+                      <p:stCondLst>
+                        <p:cond delay="indefinite"/>
+                      </p:stCondLst>
+                      <p:childTnLst>
+                        <p:par>
+                          <p:cTn id="4" fill="hold">
+                            <p:stCondLst>
+                              <p:cond delay="0"/>
+                            </p:stCondLst>
+                            <p:childTnLst>
+                              <p:par>
+                                <p:cTn id="5" presetID="10" presetClass="entr" presetSubtype="0" fill="hold" grpId="0" nodeType="clickEffect">
+                                  <p:stCondLst>
+                                    <p:cond delay="0"/>
+                                  </p:stCondLst>
+                                  <p:childTnLst>
+                                    <p:set>
+                                      <p:cBhvr>
+                                        <p:cTn id="6" dur="1" fill="hold">
+                                          <p:stCondLst>
+                                            <p:cond delay="0"/>
+                                          </p:stCondLst>
+                                        </p:cTn>
+                                        <p:tgtEl>
+                                          <p:spTgt spid="114702"/>
+                                        </p:tgtEl>
+                                        <p:attrNameLst>
+                                          <p:attrName>style.visibility</p:attrName>
+                                        </p:attrNameLst>
+                                      </p:cBhvr>
+                                      <p:to>
+                                        <p:strVal val="visible"/>
+                                      </p:to>
+                                    </p:set>
+                                    <p:animEffect transition="in" filter="fade">
+                                      <p:cBhvr>
+                                        <p:cTn id="7" dur="500"/>
+                                        <p:tgtEl>
+                                          <p:spTgt spid="114702"/>
+                                        </p:tgtEl>
+                                      </p:cBhvr>
+                                    </p:animEffect>
+                                  </p:childTnLst>
+                                </p:cTn>
+                              </p:par>
+                            </p:childTnLst>
+                          </p:cTn>
+                        </p:par>
+                        <p:par>
+                          <p:cTn id="8" fill="hold">
+                            <p:stCondLst>
+                              <p:cond delay="500"/>
+                            </p:stCondLst>
+                            <p:childTnLst>
+                              <p:par>
+                                <p:cTn id="9" presetID="22" presetClass="entr" presetSubtype="8" fill="hold" nodeType="afterEffect">
+                                  <p:stCondLst>
+                                    <p:cond delay="0"/>
+                                  </p:stCondLst>
+                                  <p:childTnLst>
+                                    <p:set>
+                                      <p:cBhvr>
+                                        <p:cTn id="10" dur="1" fill="hold">
+                                          <p:stCondLst>
+                                            <p:cond delay="0"/>
+                                          </p:stCondLst>
+                                        </p:cTn>
+                                        <p:tgtEl>
+                                          <p:spTgt spid="114700"/>
+                                        </p:tgtEl>
+                                        <p:attrNameLst>
+                                          <p:attrName>style.visibility</p:attrName>
+                                        </p:attrNameLst>
+                                      </p:cBhvr>
+                                      <p:to>
+                                        <p:strVal val="visible"/>
+                                      </p:to>
+                                    </p:set>
+                                    <p:animEffect transition="in" filter="wipe(left)">
+                                      <p:cBhvr>
+                                        <p:cTn id="11" dur="1000"/>
+                                        <p:tgtEl>
+                                          <p:spTgt spid="114700"/>
+                                        </p:tgtEl>
+                                      </p:cBhvr>
+                                    </p:animEffect>
+                                  </p:childTnLst>
+                                </p:cTn>
+                              </p:par>
+                            </p:childTnLst>
+                          </p:cTn>
+                        </p:par>
+                      </p:childTnLst>
+                    </p:cTn>
+                  </p:par>
+                </p:childTnLst>
+              </p:cTn>
+              <p:prevCondLst>
+                <p:cond evt="onPrev" delay="0">
+                  <p:tgtEl>
+                    <p:sldTgt/>
+                  </p:tgtEl>
+                </p:cond>
+              </p:prevCondLst>
+              <p:nextCondLst>
+                <p:cond evt="onNext" delay="0">
+                  <p:tgtEl>
+                    <p:sldTgt/>
+                  </p:tgtEl>
+                </p:cond>
+              </p:nextCondLst>
+            </p:seq>
+          </p:childTnLst>
+        </p:cTn>
       </p:par>
     </p:tnLst>
+    <p:bldLst>
+      <p:bldP spid="114702" grpId="0"/>
+    </p:bldLst>
   </p:timing>
 </p:sld>
 </file>
@@ -11443,7 +12171,7 @@
           <a:graphicData uri="http://schemas.openxmlformats.org/presentationml/2006/ole">
             <mc:AlternateContent xmlns:mc="http://schemas.openxmlformats.org/markup-compatibility/2006">
               <mc:Choice xmlns:v="urn:schemas-microsoft-com:vml" Requires="v">
-                <p:oleObj spid="_x0000_s118839" name="Equation" r:id="rId4" imgW="1955520" imgH="457200" progId="Equation.DSMT4">
+                <p:oleObj spid="_x0000_s118848" name="Equation" r:id="rId4" imgW="1955520" imgH="457200" progId="Equation.DSMT4">
                   <p:embed/>
                 </p:oleObj>
               </mc:Choice>
@@ -11538,7 +12266,7 @@
           <a:graphicData uri="http://schemas.openxmlformats.org/presentationml/2006/ole">
             <mc:AlternateContent xmlns:mc="http://schemas.openxmlformats.org/markup-compatibility/2006">
               <mc:Choice xmlns:v="urn:schemas-microsoft-com:vml" Requires="v">
-                <p:oleObj spid="_x0000_s118840" name="Equation" r:id="rId6" imgW="939600" imgH="457200" progId="Equation.DSMT4">
+                <p:oleObj spid="_x0000_s118849" name="Equation" r:id="rId6" imgW="939600" imgH="457200" progId="Equation.DSMT4">
                   <p:embed/>
                 </p:oleObj>
               </mc:Choice>
@@ -11622,14 +12350,14 @@
   <p:clrMapOvr>
     <a:masterClrMapping/>
   </p:clrMapOvr>
-  <mc:AlternateContent xmlns:mc="http://schemas.openxmlformats.org/markup-compatibility/2006" xmlns:p14="http://schemas.microsoft.com/office/powerpoint/2010/main">
-    <mc:Choice Requires="p14">
-      <p:transition spd="med" p14:dur="700">
+  <mc:AlternateContent xmlns:mc="http://schemas.openxmlformats.org/markup-compatibility/2006">
+    <mc:Choice xmlns:p14="http://schemas.microsoft.com/office/powerpoint/2010/main" Requires="p14">
+      <p:transition spd="med" p14:dur="700" advClick="0">
         <p:fade/>
       </p:transition>
     </mc:Choice>
-    <mc:Fallback xmlns="">
-      <p:transition xmlns:p14="http://schemas.microsoft.com/office/powerpoint/2010/main" spd="med">
+    <mc:Fallback>
+      <p:transition xmlns:p14="http://schemas.microsoft.com/office/powerpoint/2010/main" spd="med" advClick="0">
         <p:fade/>
       </p:transition>
     </mc:Fallback>
@@ -11637,7 +12365,86 @@
   <p:timing>
     <p:tnLst>
       <p:par>
-        <p:cTn xmlns:p14="http://schemas.microsoft.com/office/powerpoint/2010/main" id="1" dur="indefinite" restart="never" nodeType="tmRoot"/>
+        <p:cTn xmlns:p14="http://schemas.microsoft.com/office/powerpoint/2010/main" id="1" dur="indefinite" restart="never" nodeType="tmRoot">
+          <p:childTnLst>
+            <p:seq concurrent="1" nextAc="seek">
+              <p:cTn id="2" dur="indefinite" nodeType="mainSeq">
+                <p:childTnLst>
+                  <p:par>
+                    <p:cTn id="3" fill="hold">
+                      <p:stCondLst>
+                        <p:cond delay="indefinite"/>
+                        <p:cond evt="onBegin" delay="0">
+                          <p:tn val="2"/>
+                        </p:cond>
+                      </p:stCondLst>
+                      <p:childTnLst>
+                        <p:par>
+                          <p:cTn id="4" fill="hold">
+                            <p:stCondLst>
+                              <p:cond delay="0"/>
+                            </p:stCondLst>
+                            <p:childTnLst>
+                              <p:par>
+                                <p:cTn id="5" presetID="22" presetClass="entr" presetSubtype="8" fill="hold" nodeType="afterEffect">
+                                  <p:stCondLst>
+                                    <p:cond delay="0"/>
+                                  </p:stCondLst>
+                                  <p:childTnLst>
+                                    <p:set>
+                                      <p:cBhvr>
+                                        <p:cTn id="6" dur="1" fill="hold">
+                                          <p:stCondLst>
+                                            <p:cond delay="0"/>
+                                          </p:stCondLst>
+                                        </p:cTn>
+                                        <p:tgtEl>
+                                          <p:spTgt spid="118790"/>
+                                        </p:tgtEl>
+                                        <p:attrNameLst>
+                                          <p:attrName>style.visibility</p:attrName>
+                                        </p:attrNameLst>
+                                      </p:cBhvr>
+                                      <p:to>
+                                        <p:strVal val="visible"/>
+                                      </p:to>
+                                    </p:set>
+                                    <p:animEffect transition="in" filter="wipe(left)">
+                                      <p:cBhvr>
+                                        <p:cTn id="7" dur="1000"/>
+                                        <p:tgtEl>
+                                          <p:spTgt spid="118790"/>
+                                        </p:tgtEl>
+                                      </p:cBhvr>
+                                    </p:animEffect>
+                                  </p:childTnLst>
+                                </p:cTn>
+                              </p:par>
+                            </p:childTnLst>
+                          </p:cTn>
+                        </p:par>
+                      </p:childTnLst>
+                    </p:cTn>
+                  </p:par>
+                </p:childTnLst>
+              </p:cTn>
+              <p:prevCondLst>
+                <p:cond evt="onPrev" delay="0">
+                  <p:tgtEl>
+                    <p:sldTgt/>
+                  </p:tgtEl>
+                </p:cond>
+              </p:prevCondLst>
+              <p:nextCondLst>
+                <p:cond evt="onNext" delay="0">
+                  <p:tgtEl>
+                    <p:sldTgt/>
+                  </p:tgtEl>
+                </p:cond>
+              </p:nextCondLst>
+            </p:seq>
+          </p:childTnLst>
+        </p:cTn>
       </p:par>
     </p:tnLst>
   </p:timing>
